--- a/pic.pptx
+++ b/pic.pptx
@@ -14,6 +14,11 @@
     <p:sldId id="262" r:id="rId8"/>
     <p:sldId id="263" r:id="rId9"/>
     <p:sldId id="264" r:id="rId10"/>
+    <p:sldId id="266" r:id="rId11"/>
+    <p:sldId id="267" r:id="rId12"/>
+    <p:sldId id="268" r:id="rId13"/>
+    <p:sldId id="269" r:id="rId14"/>
+    <p:sldId id="270" r:id="rId15"/>
   </p:sldIdLst>
   <p:sldSz cx="12192000" cy="6858000"/>
   <p:notesSz cx="6858000" cy="9144000"/>
@@ -267,7 +272,7 @@
           <a:p>
             <a:fld id="{0EEC9CC8-D28C-48A5-A3C0-37BF24412A5D}" type="datetimeFigureOut">
               <a:rPr lang="zh-CN" altLang="en-US" smtClean="0"/>
-              <a:t>2024/8/19</a:t>
+              <a:t>2024/8/21</a:t>
             </a:fld>
             <a:endParaRPr lang="zh-CN" altLang="en-US"/>
           </a:p>
@@ -465,7 +470,7 @@
           <a:p>
             <a:fld id="{0EEC9CC8-D28C-48A5-A3C0-37BF24412A5D}" type="datetimeFigureOut">
               <a:rPr lang="zh-CN" altLang="en-US" smtClean="0"/>
-              <a:t>2024/8/19</a:t>
+              <a:t>2024/8/21</a:t>
             </a:fld>
             <a:endParaRPr lang="zh-CN" altLang="en-US"/>
           </a:p>
@@ -673,7 +678,7 @@
           <a:p>
             <a:fld id="{0EEC9CC8-D28C-48A5-A3C0-37BF24412A5D}" type="datetimeFigureOut">
               <a:rPr lang="zh-CN" altLang="en-US" smtClean="0"/>
-              <a:t>2024/8/19</a:t>
+              <a:t>2024/8/21</a:t>
             </a:fld>
             <a:endParaRPr lang="zh-CN" altLang="en-US"/>
           </a:p>
@@ -871,7 +876,7 @@
           <a:p>
             <a:fld id="{0EEC9CC8-D28C-48A5-A3C0-37BF24412A5D}" type="datetimeFigureOut">
               <a:rPr lang="zh-CN" altLang="en-US" smtClean="0"/>
-              <a:t>2024/8/19</a:t>
+              <a:t>2024/8/21</a:t>
             </a:fld>
             <a:endParaRPr lang="zh-CN" altLang="en-US"/>
           </a:p>
@@ -1146,7 +1151,7 @@
           <a:p>
             <a:fld id="{0EEC9CC8-D28C-48A5-A3C0-37BF24412A5D}" type="datetimeFigureOut">
               <a:rPr lang="zh-CN" altLang="en-US" smtClean="0"/>
-              <a:t>2024/8/19</a:t>
+              <a:t>2024/8/21</a:t>
             </a:fld>
             <a:endParaRPr lang="zh-CN" altLang="en-US"/>
           </a:p>
@@ -1411,7 +1416,7 @@
           <a:p>
             <a:fld id="{0EEC9CC8-D28C-48A5-A3C0-37BF24412A5D}" type="datetimeFigureOut">
               <a:rPr lang="zh-CN" altLang="en-US" smtClean="0"/>
-              <a:t>2024/8/19</a:t>
+              <a:t>2024/8/21</a:t>
             </a:fld>
             <a:endParaRPr lang="zh-CN" altLang="en-US"/>
           </a:p>
@@ -1823,7 +1828,7 @@
           <a:p>
             <a:fld id="{0EEC9CC8-D28C-48A5-A3C0-37BF24412A5D}" type="datetimeFigureOut">
               <a:rPr lang="zh-CN" altLang="en-US" smtClean="0"/>
-              <a:t>2024/8/19</a:t>
+              <a:t>2024/8/21</a:t>
             </a:fld>
             <a:endParaRPr lang="zh-CN" altLang="en-US"/>
           </a:p>
@@ -1964,7 +1969,7 @@
           <a:p>
             <a:fld id="{0EEC9CC8-D28C-48A5-A3C0-37BF24412A5D}" type="datetimeFigureOut">
               <a:rPr lang="zh-CN" altLang="en-US" smtClean="0"/>
-              <a:t>2024/8/19</a:t>
+              <a:t>2024/8/21</a:t>
             </a:fld>
             <a:endParaRPr lang="zh-CN" altLang="en-US"/>
           </a:p>
@@ -2077,7 +2082,7 @@
           <a:p>
             <a:fld id="{0EEC9CC8-D28C-48A5-A3C0-37BF24412A5D}" type="datetimeFigureOut">
               <a:rPr lang="zh-CN" altLang="en-US" smtClean="0"/>
-              <a:t>2024/8/19</a:t>
+              <a:t>2024/8/21</a:t>
             </a:fld>
             <a:endParaRPr lang="zh-CN" altLang="en-US"/>
           </a:p>
@@ -2388,7 +2393,7 @@
           <a:p>
             <a:fld id="{0EEC9CC8-D28C-48A5-A3C0-37BF24412A5D}" type="datetimeFigureOut">
               <a:rPr lang="zh-CN" altLang="en-US" smtClean="0"/>
-              <a:t>2024/8/19</a:t>
+              <a:t>2024/8/21</a:t>
             </a:fld>
             <a:endParaRPr lang="zh-CN" altLang="en-US"/>
           </a:p>
@@ -2676,7 +2681,7 @@
           <a:p>
             <a:fld id="{0EEC9CC8-D28C-48A5-A3C0-37BF24412A5D}" type="datetimeFigureOut">
               <a:rPr lang="zh-CN" altLang="en-US" smtClean="0"/>
-              <a:t>2024/8/19</a:t>
+              <a:t>2024/8/21</a:t>
             </a:fld>
             <a:endParaRPr lang="zh-CN" altLang="en-US"/>
           </a:p>
@@ -2917,7 +2922,7 @@
           <a:p>
             <a:fld id="{0EEC9CC8-D28C-48A5-A3C0-37BF24412A5D}" type="datetimeFigureOut">
               <a:rPr lang="zh-CN" altLang="en-US" smtClean="0"/>
-              <a:t>2024/8/19</a:t>
+              <a:t>2024/8/21</a:t>
             </a:fld>
             <a:endParaRPr lang="zh-CN" altLang="en-US"/>
           </a:p>
@@ -4427,6 +4432,2680 @@
 </p:sld>
 </file>
 
+<file path=ppt/slides/slide10.xml><?xml version="1.0" encoding="utf-8"?>
+<p:sld xmlns:a="http://schemas.openxmlformats.org/drawingml/2006/main" xmlns:r="http://schemas.openxmlformats.org/officeDocument/2006/relationships" xmlns:p="http://schemas.openxmlformats.org/presentationml/2006/main">
+  <p:cSld>
+    <p:spTree>
+      <p:nvGrpSpPr>
+        <p:cNvPr id="1" name=""/>
+        <p:cNvGrpSpPr/>
+        <p:nvPr/>
+      </p:nvGrpSpPr>
+      <p:grpSpPr>
+        <a:xfrm>
+          <a:off x="0" y="0"/>
+          <a:ext cx="0" cy="0"/>
+          <a:chOff x="0" y="0"/>
+          <a:chExt cx="0" cy="0"/>
+        </a:xfrm>
+      </p:grpSpPr>
+      <p:pic>
+        <p:nvPicPr>
+          <p:cNvPr id="6" name="图片 5">
+            <a:extLst>
+              <a:ext uri="{FF2B5EF4-FFF2-40B4-BE49-F238E27FC236}">
+                <a16:creationId xmlns:a16="http://schemas.microsoft.com/office/drawing/2014/main" id="{6A620D75-47BC-83DB-C7A6-C38D4EEB4CE3}"/>
+              </a:ext>
+            </a:extLst>
+          </p:cNvPr>
+          <p:cNvPicPr>
+            <a:picLocks noChangeAspect="1"/>
+          </p:cNvPicPr>
+          <p:nvPr/>
+        </p:nvPicPr>
+        <p:blipFill>
+          <a:blip r:embed="rId2"/>
+          <a:stretch>
+            <a:fillRect/>
+          </a:stretch>
+        </p:blipFill>
+        <p:spPr>
+          <a:xfrm>
+            <a:off x="2627704" y="2460474"/>
+            <a:ext cx="4699613" cy="675181"/>
+          </a:xfrm>
+          <a:prstGeom prst="rect">
+            <a:avLst/>
+          </a:prstGeom>
+        </p:spPr>
+      </p:pic>
+      <p:pic>
+        <p:nvPicPr>
+          <p:cNvPr id="3" name="图片 2">
+            <a:extLst>
+              <a:ext uri="{FF2B5EF4-FFF2-40B4-BE49-F238E27FC236}">
+                <a16:creationId xmlns:a16="http://schemas.microsoft.com/office/drawing/2014/main" id="{8D441BFB-6D1E-B89B-7EAE-1C71072AD4BE}"/>
+              </a:ext>
+            </a:extLst>
+          </p:cNvPr>
+          <p:cNvPicPr>
+            <a:picLocks noChangeAspect="1"/>
+          </p:cNvPicPr>
+          <p:nvPr/>
+        </p:nvPicPr>
+        <p:blipFill>
+          <a:blip r:embed="rId3"/>
+          <a:stretch>
+            <a:fillRect/>
+          </a:stretch>
+        </p:blipFill>
+        <p:spPr>
+          <a:xfrm>
+            <a:off x="1800414" y="3276251"/>
+            <a:ext cx="8122067" cy="1136708"/>
+          </a:xfrm>
+          <a:prstGeom prst="rect">
+            <a:avLst/>
+          </a:prstGeom>
+        </p:spPr>
+      </p:pic>
+      <p:sp>
+        <p:nvSpPr>
+          <p:cNvPr id="12" name="文本框 11">
+            <a:extLst>
+              <a:ext uri="{FF2B5EF4-FFF2-40B4-BE49-F238E27FC236}">
+                <a16:creationId xmlns:a16="http://schemas.microsoft.com/office/drawing/2014/main" id="{71D92524-AD01-727B-7B8B-F3B3CA04F0B5}"/>
+              </a:ext>
+            </a:extLst>
+          </p:cNvPr>
+          <p:cNvSpPr txBox="1"/>
+          <p:nvPr/>
+        </p:nvSpPr>
+        <p:spPr>
+          <a:xfrm>
+            <a:off x="2354580" y="7120551"/>
+            <a:ext cx="4632960" cy="461665"/>
+          </a:xfrm>
+          <a:prstGeom prst="rect">
+            <a:avLst/>
+          </a:prstGeom>
+          <a:noFill/>
+        </p:spPr>
+        <p:txBody>
+          <a:bodyPr wrap="square" rtlCol="0">
+            <a:spAutoFit/>
+          </a:bodyPr>
+          <a:lstStyle/>
+          <a:p>
+            <a:r>
+              <a:rPr lang="zh-CN" altLang="en-US" sz="2400" b="1">
+                <a:latin typeface="微软雅黑" panose="020B0503020204020204" pitchFamily="34" charset="-122"/>
+                <a:ea typeface="微软雅黑" panose="020B0503020204020204" pitchFamily="34" charset="-122"/>
+              </a:rPr>
+              <a:t>选择开发套件</a:t>
+            </a:r>
+          </a:p>
+        </p:txBody>
+      </p:sp>
+      <p:cxnSp>
+        <p:nvCxnSpPr>
+          <p:cNvPr id="20" name="直接箭头连接符 19">
+            <a:extLst>
+              <a:ext uri="{FF2B5EF4-FFF2-40B4-BE49-F238E27FC236}">
+                <a16:creationId xmlns:a16="http://schemas.microsoft.com/office/drawing/2014/main" id="{3FFE98CF-4058-FF21-5E84-3B898C5AB34D}"/>
+              </a:ext>
+            </a:extLst>
+          </p:cNvPr>
+          <p:cNvCxnSpPr/>
+          <p:nvPr/>
+        </p:nvCxnSpPr>
+        <p:spPr>
+          <a:xfrm>
+            <a:off x="6999657" y="8097032"/>
+            <a:ext cx="327660" cy="426720"/>
+          </a:xfrm>
+          <a:prstGeom prst="straightConnector1">
+            <a:avLst/>
+          </a:prstGeom>
+          <a:ln w="38100">
+            <a:solidFill>
+              <a:srgbClr val="C00000"/>
+            </a:solidFill>
+            <a:tailEnd type="triangle"/>
+          </a:ln>
+        </p:spPr>
+        <p:style>
+          <a:lnRef idx="1">
+            <a:schemeClr val="accent1"/>
+          </a:lnRef>
+          <a:fillRef idx="0">
+            <a:schemeClr val="accent1"/>
+          </a:fillRef>
+          <a:effectRef idx="0">
+            <a:schemeClr val="accent1"/>
+          </a:effectRef>
+          <a:fontRef idx="minor">
+            <a:schemeClr val="tx1"/>
+          </a:fontRef>
+        </p:style>
+      </p:cxnSp>
+      <p:sp>
+        <p:nvSpPr>
+          <p:cNvPr id="5" name="文本框 4">
+            <a:extLst>
+              <a:ext uri="{FF2B5EF4-FFF2-40B4-BE49-F238E27FC236}">
+                <a16:creationId xmlns:a16="http://schemas.microsoft.com/office/drawing/2014/main" id="{821E04CC-69F6-8854-5799-75C0800C2692}"/>
+              </a:ext>
+            </a:extLst>
+          </p:cNvPr>
+          <p:cNvSpPr txBox="1"/>
+          <p:nvPr/>
+        </p:nvSpPr>
+        <p:spPr>
+          <a:xfrm>
+            <a:off x="3278669" y="424134"/>
+            <a:ext cx="4750383" cy="307777"/>
+          </a:xfrm>
+          <a:prstGeom prst="rect">
+            <a:avLst/>
+          </a:prstGeom>
+          <a:noFill/>
+        </p:spPr>
+        <p:txBody>
+          <a:bodyPr wrap="square" rtlCol="0">
+            <a:spAutoFit/>
+          </a:bodyPr>
+          <a:lstStyle/>
+          <a:p>
+            <a:r>
+              <a:rPr lang="zh-CN" altLang="en-US" sz="1400" b="1">
+                <a:solidFill>
+                  <a:srgbClr val="FF0000"/>
+                </a:solidFill>
+                <a:latin typeface="微软雅黑" panose="020B0503020204020204" pitchFamily="34" charset="-122"/>
+                <a:ea typeface="微软雅黑" panose="020B0503020204020204" pitchFamily="34" charset="-122"/>
+              </a:rPr>
+              <a:t>进入编辑状态，就是正常的设计状态</a:t>
+            </a:r>
+            <a:endParaRPr lang="en-US" altLang="zh-CN" sz="1400" b="1">
+              <a:solidFill>
+                <a:srgbClr val="FF0000"/>
+              </a:solidFill>
+              <a:latin typeface="微软雅黑" panose="020B0503020204020204" pitchFamily="34" charset="-122"/>
+              <a:ea typeface="微软雅黑" panose="020B0503020204020204" pitchFamily="34" charset="-122"/>
+            </a:endParaRPr>
+          </a:p>
+        </p:txBody>
+      </p:sp>
+      <p:sp>
+        <p:nvSpPr>
+          <p:cNvPr id="22" name="文本框 21">
+            <a:extLst>
+              <a:ext uri="{FF2B5EF4-FFF2-40B4-BE49-F238E27FC236}">
+                <a16:creationId xmlns:a16="http://schemas.microsoft.com/office/drawing/2014/main" id="{6706B231-0075-5E57-6D53-305611ED442D}"/>
+              </a:ext>
+            </a:extLst>
+          </p:cNvPr>
+          <p:cNvSpPr txBox="1"/>
+          <p:nvPr/>
+        </p:nvSpPr>
+        <p:spPr>
+          <a:xfrm>
+            <a:off x="3720808" y="672286"/>
+            <a:ext cx="4750383" cy="307777"/>
+          </a:xfrm>
+          <a:prstGeom prst="rect">
+            <a:avLst/>
+          </a:prstGeom>
+          <a:noFill/>
+        </p:spPr>
+        <p:txBody>
+          <a:bodyPr wrap="square" rtlCol="0">
+            <a:spAutoFit/>
+          </a:bodyPr>
+          <a:lstStyle/>
+          <a:p>
+            <a:r>
+              <a:rPr lang="zh-CN" altLang="en-US" sz="1400" b="1">
+                <a:solidFill>
+                  <a:srgbClr val="FF0000"/>
+                </a:solidFill>
+                <a:latin typeface="微软雅黑" panose="020B0503020204020204" pitchFamily="34" charset="-122"/>
+                <a:ea typeface="微软雅黑" panose="020B0503020204020204" pitchFamily="34" charset="-122"/>
+              </a:rPr>
+              <a:t>进入信号与槽的可视化设计</a:t>
+            </a:r>
+            <a:endParaRPr lang="en-US" altLang="zh-CN" sz="1400" b="1">
+              <a:solidFill>
+                <a:srgbClr val="FF0000"/>
+              </a:solidFill>
+              <a:latin typeface="微软雅黑" panose="020B0503020204020204" pitchFamily="34" charset="-122"/>
+              <a:ea typeface="微软雅黑" panose="020B0503020204020204" pitchFamily="34" charset="-122"/>
+            </a:endParaRPr>
+          </a:p>
+        </p:txBody>
+      </p:sp>
+      <p:sp>
+        <p:nvSpPr>
+          <p:cNvPr id="26" name="文本框 25">
+            <a:extLst>
+              <a:ext uri="{FF2B5EF4-FFF2-40B4-BE49-F238E27FC236}">
+                <a16:creationId xmlns:a16="http://schemas.microsoft.com/office/drawing/2014/main" id="{A49069EC-A488-5C82-07E6-454179F75185}"/>
+              </a:ext>
+            </a:extLst>
+          </p:cNvPr>
+          <p:cNvSpPr txBox="1"/>
+          <p:nvPr/>
+        </p:nvSpPr>
+        <p:spPr>
+          <a:xfrm>
+            <a:off x="3003806" y="3056476"/>
+            <a:ext cx="6529502" cy="307777"/>
+          </a:xfrm>
+          <a:prstGeom prst="rect">
+            <a:avLst/>
+          </a:prstGeom>
+          <a:noFill/>
+        </p:spPr>
+        <p:txBody>
+          <a:bodyPr wrap="square" rtlCol="0">
+            <a:spAutoFit/>
+          </a:bodyPr>
+          <a:lstStyle/>
+          <a:p>
+            <a:r>
+              <a:rPr lang="zh-CN" altLang="en-US" sz="1400" b="1">
+                <a:solidFill>
+                  <a:srgbClr val="FF0000"/>
+                </a:solidFill>
+                <a:latin typeface="微软雅黑" panose="020B0503020204020204" pitchFamily="34" charset="-122"/>
+                <a:ea typeface="微软雅黑" panose="020B0503020204020204" pitchFamily="34" charset="-122"/>
+              </a:rPr>
+              <a:t>在经过编译的 </a:t>
+            </a:r>
+            <a:r>
+              <a:rPr lang="en-US" altLang="zh-CN" sz="1400" b="1">
+                <a:solidFill>
+                  <a:srgbClr val="FF0000"/>
+                </a:solidFill>
+                <a:latin typeface="微软雅黑" panose="020B0503020204020204" pitchFamily="34" charset="-122"/>
+                <a:ea typeface="微软雅黑" panose="020B0503020204020204" pitchFamily="34" charset="-122"/>
+              </a:rPr>
+              <a:t>ui </a:t>
+            </a:r>
+            <a:r>
+              <a:rPr lang="zh-CN" altLang="en-US" sz="1400" b="1">
+                <a:solidFill>
+                  <a:srgbClr val="FF0000"/>
+                </a:solidFill>
+                <a:latin typeface="微软雅黑" panose="020B0503020204020204" pitchFamily="34" charset="-122"/>
+                <a:ea typeface="微软雅黑" panose="020B0503020204020204" pitchFamily="34" charset="-122"/>
+              </a:rPr>
+              <a:t>文件中，根据组件信号的名字和自动生成的槽函数名字进行匹配</a:t>
+            </a:r>
+            <a:endParaRPr lang="en-US" altLang="zh-CN" sz="1400" b="1">
+              <a:solidFill>
+                <a:srgbClr val="FF0000"/>
+              </a:solidFill>
+              <a:latin typeface="微软雅黑" panose="020B0503020204020204" pitchFamily="34" charset="-122"/>
+              <a:ea typeface="微软雅黑" panose="020B0503020204020204" pitchFamily="34" charset="-122"/>
+            </a:endParaRPr>
+          </a:p>
+        </p:txBody>
+      </p:sp>
+      <p:cxnSp>
+        <p:nvCxnSpPr>
+          <p:cNvPr id="31" name="直接箭头连接符 30">
+            <a:extLst>
+              <a:ext uri="{FF2B5EF4-FFF2-40B4-BE49-F238E27FC236}">
+                <a16:creationId xmlns:a16="http://schemas.microsoft.com/office/drawing/2014/main" id="{D1A618BC-0199-9AEB-33B5-349C164B41F2}"/>
+              </a:ext>
+            </a:extLst>
+          </p:cNvPr>
+          <p:cNvCxnSpPr>
+            <a:cxnSpLocks/>
+          </p:cNvCxnSpPr>
+          <p:nvPr/>
+        </p:nvCxnSpPr>
+        <p:spPr>
+          <a:xfrm flipH="1" flipV="1">
+            <a:off x="3437620" y="670253"/>
+            <a:ext cx="217804" cy="585819"/>
+          </a:xfrm>
+          <a:prstGeom prst="straightConnector1">
+            <a:avLst/>
+          </a:prstGeom>
+          <a:ln w="19050">
+            <a:solidFill>
+              <a:srgbClr val="C00000"/>
+            </a:solidFill>
+            <a:tailEnd type="triangle"/>
+          </a:ln>
+        </p:spPr>
+        <p:style>
+          <a:lnRef idx="1">
+            <a:schemeClr val="accent1"/>
+          </a:lnRef>
+          <a:fillRef idx="0">
+            <a:schemeClr val="accent1"/>
+          </a:fillRef>
+          <a:effectRef idx="0">
+            <a:schemeClr val="accent1"/>
+          </a:effectRef>
+          <a:fontRef idx="minor">
+            <a:schemeClr val="tx1"/>
+          </a:fontRef>
+        </p:style>
+      </p:cxnSp>
+      <p:cxnSp>
+        <p:nvCxnSpPr>
+          <p:cNvPr id="35" name="直接箭头连接符 34">
+            <a:extLst>
+              <a:ext uri="{FF2B5EF4-FFF2-40B4-BE49-F238E27FC236}">
+                <a16:creationId xmlns:a16="http://schemas.microsoft.com/office/drawing/2014/main" id="{DFCDC089-3A0A-6BC6-3731-59EB2912F2EE}"/>
+              </a:ext>
+            </a:extLst>
+          </p:cNvPr>
+          <p:cNvCxnSpPr>
+            <a:cxnSpLocks/>
+          </p:cNvCxnSpPr>
+          <p:nvPr/>
+        </p:nvCxnSpPr>
+        <p:spPr>
+          <a:xfrm flipH="1">
+            <a:off x="2503358" y="2919143"/>
+            <a:ext cx="359764" cy="420448"/>
+          </a:xfrm>
+          <a:prstGeom prst="straightConnector1">
+            <a:avLst/>
+          </a:prstGeom>
+          <a:ln w="19050">
+            <a:solidFill>
+              <a:srgbClr val="C00000"/>
+            </a:solidFill>
+            <a:tailEnd type="triangle"/>
+          </a:ln>
+        </p:spPr>
+        <p:style>
+          <a:lnRef idx="1">
+            <a:schemeClr val="accent1"/>
+          </a:lnRef>
+          <a:fillRef idx="0">
+            <a:schemeClr val="accent1"/>
+          </a:fillRef>
+          <a:effectRef idx="0">
+            <a:schemeClr val="accent1"/>
+          </a:effectRef>
+          <a:fontRef idx="minor">
+            <a:schemeClr val="tx1"/>
+          </a:fontRef>
+        </p:style>
+      </p:cxnSp>
+      <p:sp>
+        <p:nvSpPr>
+          <p:cNvPr id="15" name="矩形 14">
+            <a:extLst>
+              <a:ext uri="{FF2B5EF4-FFF2-40B4-BE49-F238E27FC236}">
+                <a16:creationId xmlns:a16="http://schemas.microsoft.com/office/drawing/2014/main" id="{3C968701-2DF5-665F-1307-7E9B7F3F2D0B}"/>
+              </a:ext>
+            </a:extLst>
+          </p:cNvPr>
+          <p:cNvSpPr/>
+          <p:nvPr/>
+        </p:nvSpPr>
+        <p:spPr>
+          <a:xfrm>
+            <a:off x="2269519" y="3963664"/>
+            <a:ext cx="3269347" cy="252480"/>
+          </a:xfrm>
+          <a:prstGeom prst="rect">
+            <a:avLst/>
+          </a:prstGeom>
+          <a:noFill/>
+          <a:ln w="19050">
+            <a:solidFill>
+              <a:srgbClr val="C00000"/>
+            </a:solidFill>
+          </a:ln>
+        </p:spPr>
+        <p:style>
+          <a:lnRef idx="2">
+            <a:schemeClr val="accent1">
+              <a:shade val="15000"/>
+            </a:schemeClr>
+          </a:lnRef>
+          <a:fillRef idx="1">
+            <a:schemeClr val="accent1"/>
+          </a:fillRef>
+          <a:effectRef idx="0">
+            <a:schemeClr val="accent1"/>
+          </a:effectRef>
+          <a:fontRef idx="minor">
+            <a:schemeClr val="lt1"/>
+          </a:fontRef>
+        </p:style>
+        <p:txBody>
+          <a:bodyPr rtlCol="0" anchor="ctr"/>
+          <a:lstStyle/>
+          <a:p>
+            <a:pPr algn="ctr"/>
+            <a:endParaRPr lang="zh-CN" altLang="en-US">
+              <a:ln>
+                <a:solidFill>
+                  <a:sysClr val="windowText" lastClr="000000"/>
+                </a:solidFill>
+              </a:ln>
+              <a:solidFill>
+                <a:srgbClr val="FF0000"/>
+              </a:solidFill>
+            </a:endParaRPr>
+          </a:p>
+        </p:txBody>
+      </p:sp>
+    </p:spTree>
+    <p:extLst>
+      <p:ext uri="{BB962C8B-B14F-4D97-AF65-F5344CB8AC3E}">
+        <p14:creationId xmlns:p14="http://schemas.microsoft.com/office/powerpoint/2010/main" val="1057100463"/>
+      </p:ext>
+    </p:extLst>
+  </p:cSld>
+  <p:clrMapOvr>
+    <a:masterClrMapping/>
+  </p:clrMapOvr>
+</p:sld>
+</file>
+
+<file path=ppt/slides/slide11.xml><?xml version="1.0" encoding="utf-8"?>
+<p:sld xmlns:a="http://schemas.openxmlformats.org/drawingml/2006/main" xmlns:r="http://schemas.openxmlformats.org/officeDocument/2006/relationships" xmlns:p="http://schemas.openxmlformats.org/presentationml/2006/main">
+  <p:cSld>
+    <p:spTree>
+      <p:nvGrpSpPr>
+        <p:cNvPr id="1" name=""/>
+        <p:cNvGrpSpPr/>
+        <p:nvPr/>
+      </p:nvGrpSpPr>
+      <p:grpSpPr>
+        <a:xfrm>
+          <a:off x="0" y="0"/>
+          <a:ext cx="0" cy="0"/>
+          <a:chOff x="0" y="0"/>
+          <a:chExt cx="0" cy="0"/>
+        </a:xfrm>
+      </p:grpSpPr>
+      <p:pic>
+        <p:nvPicPr>
+          <p:cNvPr id="8" name="图片 7">
+            <a:extLst>
+              <a:ext uri="{FF2B5EF4-FFF2-40B4-BE49-F238E27FC236}">
+                <a16:creationId xmlns:a16="http://schemas.microsoft.com/office/drawing/2014/main" id="{1506F675-9B7F-FB64-581E-3C5AA21BC583}"/>
+              </a:ext>
+            </a:extLst>
+          </p:cNvPr>
+          <p:cNvPicPr>
+            <a:picLocks noChangeAspect="1"/>
+          </p:cNvPicPr>
+          <p:nvPr/>
+        </p:nvPicPr>
+        <p:blipFill>
+          <a:blip r:embed="rId2"/>
+          <a:stretch>
+            <a:fillRect/>
+          </a:stretch>
+        </p:blipFill>
+        <p:spPr>
+          <a:xfrm>
+            <a:off x="5032457" y="1046291"/>
+            <a:ext cx="3429176" cy="5543835"/>
+          </a:xfrm>
+          <a:prstGeom prst="rect">
+            <a:avLst/>
+          </a:prstGeom>
+        </p:spPr>
+      </p:pic>
+      <p:pic>
+        <p:nvPicPr>
+          <p:cNvPr id="4" name="图片 3">
+            <a:extLst>
+              <a:ext uri="{FF2B5EF4-FFF2-40B4-BE49-F238E27FC236}">
+                <a16:creationId xmlns:a16="http://schemas.microsoft.com/office/drawing/2014/main" id="{2D959711-566B-4027-5A8A-B12D29ABF027}"/>
+              </a:ext>
+            </a:extLst>
+          </p:cNvPr>
+          <p:cNvPicPr>
+            <a:picLocks noChangeAspect="1"/>
+          </p:cNvPicPr>
+          <p:nvPr/>
+        </p:nvPicPr>
+        <p:blipFill>
+          <a:blip r:embed="rId3"/>
+          <a:stretch>
+            <a:fillRect/>
+          </a:stretch>
+        </p:blipFill>
+        <p:spPr>
+          <a:xfrm>
+            <a:off x="59959" y="698245"/>
+            <a:ext cx="4813547" cy="5194567"/>
+          </a:xfrm>
+          <a:prstGeom prst="rect">
+            <a:avLst/>
+          </a:prstGeom>
+        </p:spPr>
+      </p:pic>
+      <p:sp>
+        <p:nvSpPr>
+          <p:cNvPr id="12" name="文本框 11">
+            <a:extLst>
+              <a:ext uri="{FF2B5EF4-FFF2-40B4-BE49-F238E27FC236}">
+                <a16:creationId xmlns:a16="http://schemas.microsoft.com/office/drawing/2014/main" id="{71D92524-AD01-727B-7B8B-F3B3CA04F0B5}"/>
+              </a:ext>
+            </a:extLst>
+          </p:cNvPr>
+          <p:cNvSpPr txBox="1"/>
+          <p:nvPr/>
+        </p:nvSpPr>
+        <p:spPr>
+          <a:xfrm>
+            <a:off x="2354580" y="7120551"/>
+            <a:ext cx="4632960" cy="461665"/>
+          </a:xfrm>
+          <a:prstGeom prst="rect">
+            <a:avLst/>
+          </a:prstGeom>
+          <a:noFill/>
+        </p:spPr>
+        <p:txBody>
+          <a:bodyPr wrap="square" rtlCol="0">
+            <a:spAutoFit/>
+          </a:bodyPr>
+          <a:lstStyle/>
+          <a:p>
+            <a:r>
+              <a:rPr lang="zh-CN" altLang="en-US" sz="2400" b="1">
+                <a:latin typeface="微软雅黑" panose="020B0503020204020204" pitchFamily="34" charset="-122"/>
+                <a:ea typeface="微软雅黑" panose="020B0503020204020204" pitchFamily="34" charset="-122"/>
+              </a:rPr>
+              <a:t>选择开发套件</a:t>
+            </a:r>
+          </a:p>
+        </p:txBody>
+      </p:sp>
+      <p:cxnSp>
+        <p:nvCxnSpPr>
+          <p:cNvPr id="20" name="直接箭头连接符 19">
+            <a:extLst>
+              <a:ext uri="{FF2B5EF4-FFF2-40B4-BE49-F238E27FC236}">
+                <a16:creationId xmlns:a16="http://schemas.microsoft.com/office/drawing/2014/main" id="{3FFE98CF-4058-FF21-5E84-3B898C5AB34D}"/>
+              </a:ext>
+            </a:extLst>
+          </p:cNvPr>
+          <p:cNvCxnSpPr/>
+          <p:nvPr/>
+        </p:nvCxnSpPr>
+        <p:spPr>
+          <a:xfrm>
+            <a:off x="6999657" y="8097032"/>
+            <a:ext cx="327660" cy="426720"/>
+          </a:xfrm>
+          <a:prstGeom prst="straightConnector1">
+            <a:avLst/>
+          </a:prstGeom>
+          <a:ln w="38100">
+            <a:solidFill>
+              <a:srgbClr val="C00000"/>
+            </a:solidFill>
+            <a:tailEnd type="triangle"/>
+          </a:ln>
+        </p:spPr>
+        <p:style>
+          <a:lnRef idx="1">
+            <a:schemeClr val="accent1"/>
+          </a:lnRef>
+          <a:fillRef idx="0">
+            <a:schemeClr val="accent1"/>
+          </a:fillRef>
+          <a:effectRef idx="0">
+            <a:schemeClr val="accent1"/>
+          </a:effectRef>
+          <a:fontRef idx="minor">
+            <a:schemeClr val="tx1"/>
+          </a:fontRef>
+        </p:style>
+      </p:cxnSp>
+      <p:sp>
+        <p:nvSpPr>
+          <p:cNvPr id="26" name="文本框 25">
+            <a:extLst>
+              <a:ext uri="{FF2B5EF4-FFF2-40B4-BE49-F238E27FC236}">
+                <a16:creationId xmlns:a16="http://schemas.microsoft.com/office/drawing/2014/main" id="{A49069EC-A488-5C82-07E6-454179F75185}"/>
+              </a:ext>
+            </a:extLst>
+          </p:cNvPr>
+          <p:cNvSpPr txBox="1"/>
+          <p:nvPr/>
+        </p:nvSpPr>
+        <p:spPr>
+          <a:xfrm>
+            <a:off x="8312122" y="1311169"/>
+            <a:ext cx="5962909" cy="523220"/>
+          </a:xfrm>
+          <a:prstGeom prst="rect">
+            <a:avLst/>
+          </a:prstGeom>
+          <a:noFill/>
+        </p:spPr>
+        <p:txBody>
+          <a:bodyPr wrap="square" rtlCol="0">
+            <a:spAutoFit/>
+          </a:bodyPr>
+          <a:lstStyle/>
+          <a:p>
+            <a:r>
+              <a:rPr lang="zh-CN" altLang="en-US" sz="1400" b="1">
+                <a:solidFill>
+                  <a:srgbClr val="FF0000"/>
+                </a:solidFill>
+                <a:latin typeface="微软雅黑" panose="020B0503020204020204" pitchFamily="34" charset="-122"/>
+                <a:ea typeface="微软雅黑" panose="020B0503020204020204" pitchFamily="34" charset="-122"/>
+              </a:rPr>
+              <a:t>自动在窗口文件中定义槽函数类型</a:t>
+            </a:r>
+            <a:endParaRPr lang="en-US" altLang="zh-CN" sz="1400" b="1">
+              <a:solidFill>
+                <a:srgbClr val="FF0000"/>
+              </a:solidFill>
+              <a:latin typeface="微软雅黑" panose="020B0503020204020204" pitchFamily="34" charset="-122"/>
+              <a:ea typeface="微软雅黑" panose="020B0503020204020204" pitchFamily="34" charset="-122"/>
+            </a:endParaRPr>
+          </a:p>
+          <a:p>
+            <a:r>
+              <a:rPr lang="zh-CN" altLang="en-US" sz="1400" b="1">
+                <a:solidFill>
+                  <a:srgbClr val="FF0000"/>
+                </a:solidFill>
+                <a:latin typeface="微软雅黑" panose="020B0503020204020204" pitchFamily="34" charset="-122"/>
+                <a:ea typeface="微软雅黑" panose="020B0503020204020204" pitchFamily="34" charset="-122"/>
+              </a:rPr>
+              <a:t>槽函数的命名有规定讲究！！！！</a:t>
+            </a:r>
+            <a:endParaRPr lang="en-US" altLang="zh-CN" sz="1400" b="1">
+              <a:solidFill>
+                <a:srgbClr val="FF0000"/>
+              </a:solidFill>
+              <a:latin typeface="微软雅黑" panose="020B0503020204020204" pitchFamily="34" charset="-122"/>
+              <a:ea typeface="微软雅黑" panose="020B0503020204020204" pitchFamily="34" charset="-122"/>
+            </a:endParaRPr>
+          </a:p>
+        </p:txBody>
+      </p:sp>
+      <p:cxnSp>
+        <p:nvCxnSpPr>
+          <p:cNvPr id="31" name="直接箭头连接符 30">
+            <a:extLst>
+              <a:ext uri="{FF2B5EF4-FFF2-40B4-BE49-F238E27FC236}">
+                <a16:creationId xmlns:a16="http://schemas.microsoft.com/office/drawing/2014/main" id="{D1A618BC-0199-9AEB-33B5-349C164B41F2}"/>
+              </a:ext>
+            </a:extLst>
+          </p:cNvPr>
+          <p:cNvCxnSpPr>
+            <a:cxnSpLocks/>
+          </p:cNvCxnSpPr>
+          <p:nvPr/>
+        </p:nvCxnSpPr>
+        <p:spPr>
+          <a:xfrm>
+            <a:off x="4617659" y="3495228"/>
+            <a:ext cx="414798" cy="3109038"/>
+          </a:xfrm>
+          <a:prstGeom prst="straightConnector1">
+            <a:avLst/>
+          </a:prstGeom>
+          <a:ln w="19050">
+            <a:solidFill>
+              <a:srgbClr val="C00000"/>
+            </a:solidFill>
+            <a:tailEnd type="triangle"/>
+          </a:ln>
+        </p:spPr>
+        <p:style>
+          <a:lnRef idx="1">
+            <a:schemeClr val="accent1"/>
+          </a:lnRef>
+          <a:fillRef idx="0">
+            <a:schemeClr val="accent1"/>
+          </a:fillRef>
+          <a:effectRef idx="0">
+            <a:schemeClr val="accent1"/>
+          </a:effectRef>
+          <a:fontRef idx="minor">
+            <a:schemeClr val="tx1"/>
+          </a:fontRef>
+        </p:style>
+      </p:cxnSp>
+      <p:cxnSp>
+        <p:nvCxnSpPr>
+          <p:cNvPr id="35" name="直接箭头连接符 34">
+            <a:extLst>
+              <a:ext uri="{FF2B5EF4-FFF2-40B4-BE49-F238E27FC236}">
+                <a16:creationId xmlns:a16="http://schemas.microsoft.com/office/drawing/2014/main" id="{DFCDC089-3A0A-6BC6-3731-59EB2912F2EE}"/>
+              </a:ext>
+            </a:extLst>
+          </p:cNvPr>
+          <p:cNvCxnSpPr>
+            <a:cxnSpLocks/>
+            <a:stCxn id="15" idx="3"/>
+          </p:cNvCxnSpPr>
+          <p:nvPr/>
+        </p:nvCxnSpPr>
+        <p:spPr>
+          <a:xfrm flipV="1">
+            <a:off x="4616969" y="1224669"/>
+            <a:ext cx="515077" cy="2134063"/>
+          </a:xfrm>
+          <a:prstGeom prst="straightConnector1">
+            <a:avLst/>
+          </a:prstGeom>
+          <a:ln w="19050">
+            <a:solidFill>
+              <a:srgbClr val="C00000"/>
+            </a:solidFill>
+            <a:tailEnd type="triangle"/>
+          </a:ln>
+        </p:spPr>
+        <p:style>
+          <a:lnRef idx="1">
+            <a:schemeClr val="accent1"/>
+          </a:lnRef>
+          <a:fillRef idx="0">
+            <a:schemeClr val="accent1"/>
+          </a:fillRef>
+          <a:effectRef idx="0">
+            <a:schemeClr val="accent1"/>
+          </a:effectRef>
+          <a:fontRef idx="minor">
+            <a:schemeClr val="tx1"/>
+          </a:fontRef>
+        </p:style>
+      </p:cxnSp>
+      <p:sp>
+        <p:nvSpPr>
+          <p:cNvPr id="15" name="矩形 14">
+            <a:extLst>
+              <a:ext uri="{FF2B5EF4-FFF2-40B4-BE49-F238E27FC236}">
+                <a16:creationId xmlns:a16="http://schemas.microsoft.com/office/drawing/2014/main" id="{3C968701-2DF5-665F-1307-7E9B7F3F2D0B}"/>
+              </a:ext>
+            </a:extLst>
+          </p:cNvPr>
+          <p:cNvSpPr/>
+          <p:nvPr/>
+        </p:nvSpPr>
+        <p:spPr>
+          <a:xfrm>
+            <a:off x="2216419" y="3172962"/>
+            <a:ext cx="2400550" cy="371539"/>
+          </a:xfrm>
+          <a:prstGeom prst="rect">
+            <a:avLst/>
+          </a:prstGeom>
+          <a:noFill/>
+          <a:ln w="19050">
+            <a:solidFill>
+              <a:srgbClr val="C00000"/>
+            </a:solidFill>
+          </a:ln>
+        </p:spPr>
+        <p:style>
+          <a:lnRef idx="2">
+            <a:schemeClr val="accent1">
+              <a:shade val="15000"/>
+            </a:schemeClr>
+          </a:lnRef>
+          <a:fillRef idx="1">
+            <a:schemeClr val="accent1"/>
+          </a:fillRef>
+          <a:effectRef idx="0">
+            <a:schemeClr val="accent1"/>
+          </a:effectRef>
+          <a:fontRef idx="minor">
+            <a:schemeClr val="lt1"/>
+          </a:fontRef>
+        </p:style>
+        <p:txBody>
+          <a:bodyPr rtlCol="0" anchor="ctr"/>
+          <a:lstStyle/>
+          <a:p>
+            <a:pPr algn="ctr"/>
+            <a:endParaRPr lang="zh-CN" altLang="en-US">
+              <a:ln>
+                <a:solidFill>
+                  <a:sysClr val="windowText" lastClr="000000"/>
+                </a:solidFill>
+              </a:ln>
+              <a:solidFill>
+                <a:srgbClr val="FF0000"/>
+              </a:solidFill>
+            </a:endParaRPr>
+          </a:p>
+        </p:txBody>
+      </p:sp>
+      <p:pic>
+        <p:nvPicPr>
+          <p:cNvPr id="16" name="图片 15">
+            <a:extLst>
+              <a:ext uri="{FF2B5EF4-FFF2-40B4-BE49-F238E27FC236}">
+                <a16:creationId xmlns:a16="http://schemas.microsoft.com/office/drawing/2014/main" id="{4C897C16-3CBF-C271-2AE4-237F8B4A6C94}"/>
+              </a:ext>
+            </a:extLst>
+          </p:cNvPr>
+          <p:cNvPicPr>
+            <a:picLocks noChangeAspect="1"/>
+          </p:cNvPicPr>
+          <p:nvPr/>
+        </p:nvPicPr>
+        <p:blipFill>
+          <a:blip r:embed="rId4"/>
+          <a:stretch>
+            <a:fillRect/>
+          </a:stretch>
+        </p:blipFill>
+        <p:spPr>
+          <a:xfrm>
+            <a:off x="7983546" y="1848529"/>
+            <a:ext cx="5664491" cy="4051508"/>
+          </a:xfrm>
+          <a:prstGeom prst="rect">
+            <a:avLst/>
+          </a:prstGeom>
+        </p:spPr>
+      </p:pic>
+      <p:cxnSp>
+        <p:nvCxnSpPr>
+          <p:cNvPr id="17" name="直接连接符 16">
+            <a:extLst>
+              <a:ext uri="{FF2B5EF4-FFF2-40B4-BE49-F238E27FC236}">
+                <a16:creationId xmlns:a16="http://schemas.microsoft.com/office/drawing/2014/main" id="{053C1EE0-908F-C29A-AACE-E68EC0710FF8}"/>
+              </a:ext>
+            </a:extLst>
+          </p:cNvPr>
+          <p:cNvCxnSpPr>
+            <a:cxnSpLocks/>
+          </p:cNvCxnSpPr>
+          <p:nvPr/>
+        </p:nvCxnSpPr>
+        <p:spPr>
+          <a:xfrm>
+            <a:off x="5626074" y="2580168"/>
+            <a:ext cx="941239" cy="0"/>
+          </a:xfrm>
+          <a:prstGeom prst="line">
+            <a:avLst/>
+          </a:prstGeom>
+          <a:ln w="38100">
+            <a:solidFill>
+              <a:srgbClr val="C00000"/>
+            </a:solidFill>
+          </a:ln>
+        </p:spPr>
+        <p:style>
+          <a:lnRef idx="1">
+            <a:schemeClr val="accent1"/>
+          </a:lnRef>
+          <a:fillRef idx="0">
+            <a:schemeClr val="accent1"/>
+          </a:fillRef>
+          <a:effectRef idx="0">
+            <a:schemeClr val="accent1"/>
+          </a:effectRef>
+          <a:fontRef idx="minor">
+            <a:schemeClr val="tx1"/>
+          </a:fontRef>
+        </p:style>
+      </p:cxnSp>
+      <p:cxnSp>
+        <p:nvCxnSpPr>
+          <p:cNvPr id="19" name="直接箭头连接符 18">
+            <a:extLst>
+              <a:ext uri="{FF2B5EF4-FFF2-40B4-BE49-F238E27FC236}">
+                <a16:creationId xmlns:a16="http://schemas.microsoft.com/office/drawing/2014/main" id="{D55CCBA9-284F-CD82-2C07-2D5F6643E369}"/>
+              </a:ext>
+            </a:extLst>
+          </p:cNvPr>
+          <p:cNvCxnSpPr>
+            <a:cxnSpLocks/>
+          </p:cNvCxnSpPr>
+          <p:nvPr/>
+        </p:nvCxnSpPr>
+        <p:spPr>
+          <a:xfrm>
+            <a:off x="6617406" y="2469315"/>
+            <a:ext cx="2003178" cy="2320042"/>
+          </a:xfrm>
+          <a:prstGeom prst="straightConnector1">
+            <a:avLst/>
+          </a:prstGeom>
+          <a:ln w="19050">
+            <a:solidFill>
+              <a:srgbClr val="C00000"/>
+            </a:solidFill>
+            <a:tailEnd type="triangle"/>
+          </a:ln>
+        </p:spPr>
+        <p:style>
+          <a:lnRef idx="1">
+            <a:schemeClr val="accent1"/>
+          </a:lnRef>
+          <a:fillRef idx="0">
+            <a:schemeClr val="accent1"/>
+          </a:fillRef>
+          <a:effectRef idx="0">
+            <a:schemeClr val="accent1"/>
+          </a:effectRef>
+          <a:fontRef idx="minor">
+            <a:schemeClr val="tx1"/>
+          </a:fontRef>
+        </p:style>
+      </p:cxnSp>
+      <p:cxnSp>
+        <p:nvCxnSpPr>
+          <p:cNvPr id="23" name="直接箭头连接符 22">
+            <a:extLst>
+              <a:ext uri="{FF2B5EF4-FFF2-40B4-BE49-F238E27FC236}">
+                <a16:creationId xmlns:a16="http://schemas.microsoft.com/office/drawing/2014/main" id="{5FCBD3E2-28E4-7D7A-6756-44A27585ECDB}"/>
+              </a:ext>
+            </a:extLst>
+          </p:cNvPr>
+          <p:cNvCxnSpPr>
+            <a:cxnSpLocks/>
+          </p:cNvCxnSpPr>
+          <p:nvPr/>
+        </p:nvCxnSpPr>
+        <p:spPr>
+          <a:xfrm>
+            <a:off x="6639235" y="2580168"/>
+            <a:ext cx="1872491" cy="3312644"/>
+          </a:xfrm>
+          <a:prstGeom prst="straightConnector1">
+            <a:avLst/>
+          </a:prstGeom>
+          <a:ln w="19050">
+            <a:solidFill>
+              <a:srgbClr val="C00000"/>
+            </a:solidFill>
+            <a:tailEnd type="triangle"/>
+          </a:ln>
+        </p:spPr>
+        <p:style>
+          <a:lnRef idx="1">
+            <a:schemeClr val="accent1"/>
+          </a:lnRef>
+          <a:fillRef idx="0">
+            <a:schemeClr val="accent1"/>
+          </a:fillRef>
+          <a:effectRef idx="0">
+            <a:schemeClr val="accent1"/>
+          </a:effectRef>
+          <a:fontRef idx="minor">
+            <a:schemeClr val="tx1"/>
+          </a:fontRef>
+        </p:style>
+      </p:cxnSp>
+    </p:spTree>
+    <p:extLst>
+      <p:ext uri="{BB962C8B-B14F-4D97-AF65-F5344CB8AC3E}">
+        <p14:creationId xmlns:p14="http://schemas.microsoft.com/office/powerpoint/2010/main" val="3562180683"/>
+      </p:ext>
+    </p:extLst>
+  </p:cSld>
+  <p:clrMapOvr>
+    <a:masterClrMapping/>
+  </p:clrMapOvr>
+</p:sld>
+</file>
+
+<file path=ppt/slides/slide12.xml><?xml version="1.0" encoding="utf-8"?>
+<p:sld xmlns:a="http://schemas.openxmlformats.org/drawingml/2006/main" xmlns:r="http://schemas.openxmlformats.org/officeDocument/2006/relationships" xmlns:p="http://schemas.openxmlformats.org/presentationml/2006/main">
+  <p:cSld>
+    <p:spTree>
+      <p:nvGrpSpPr>
+        <p:cNvPr id="1" name=""/>
+        <p:cNvGrpSpPr/>
+        <p:nvPr/>
+      </p:nvGrpSpPr>
+      <p:grpSpPr>
+        <a:xfrm>
+          <a:off x="0" y="0"/>
+          <a:ext cx="0" cy="0"/>
+          <a:chOff x="0" y="0"/>
+          <a:chExt cx="0" cy="0"/>
+        </a:xfrm>
+      </p:grpSpPr>
+      <p:pic>
+        <p:nvPicPr>
+          <p:cNvPr id="6" name="图片 5">
+            <a:extLst>
+              <a:ext uri="{FF2B5EF4-FFF2-40B4-BE49-F238E27FC236}">
+                <a16:creationId xmlns:a16="http://schemas.microsoft.com/office/drawing/2014/main" id="{323124E0-4503-65FD-1BB4-7CB92D9D9623}"/>
+              </a:ext>
+            </a:extLst>
+          </p:cNvPr>
+          <p:cNvPicPr>
+            <a:picLocks noChangeAspect="1"/>
+          </p:cNvPicPr>
+          <p:nvPr/>
+        </p:nvPicPr>
+        <p:blipFill>
+          <a:blip r:embed="rId2"/>
+          <a:stretch>
+            <a:fillRect/>
+          </a:stretch>
+        </p:blipFill>
+        <p:spPr>
+          <a:xfrm>
+            <a:off x="365611" y="2269628"/>
+            <a:ext cx="3164570" cy="751896"/>
+          </a:xfrm>
+          <a:prstGeom prst="rect">
+            <a:avLst/>
+          </a:prstGeom>
+        </p:spPr>
+      </p:pic>
+      <p:pic>
+        <p:nvPicPr>
+          <p:cNvPr id="3" name="图片 2">
+            <a:extLst>
+              <a:ext uri="{FF2B5EF4-FFF2-40B4-BE49-F238E27FC236}">
+                <a16:creationId xmlns:a16="http://schemas.microsoft.com/office/drawing/2014/main" id="{3235B7B1-2B64-9999-B99A-D5912807089E}"/>
+              </a:ext>
+            </a:extLst>
+          </p:cNvPr>
+          <p:cNvPicPr>
+            <a:picLocks noChangeAspect="1"/>
+          </p:cNvPicPr>
+          <p:nvPr/>
+        </p:nvPicPr>
+        <p:blipFill rotWithShape="1">
+          <a:blip r:embed="rId3"/>
+          <a:srcRect t="12154" b="27447"/>
+          <a:stretch/>
+        </p:blipFill>
+        <p:spPr>
+          <a:xfrm>
+            <a:off x="3592849" y="837511"/>
+            <a:ext cx="7753748" cy="4084820"/>
+          </a:xfrm>
+          <a:prstGeom prst="rect">
+            <a:avLst/>
+          </a:prstGeom>
+        </p:spPr>
+      </p:pic>
+      <p:sp>
+        <p:nvSpPr>
+          <p:cNvPr id="12" name="文本框 11">
+            <a:extLst>
+              <a:ext uri="{FF2B5EF4-FFF2-40B4-BE49-F238E27FC236}">
+                <a16:creationId xmlns:a16="http://schemas.microsoft.com/office/drawing/2014/main" id="{71D92524-AD01-727B-7B8B-F3B3CA04F0B5}"/>
+              </a:ext>
+            </a:extLst>
+          </p:cNvPr>
+          <p:cNvSpPr txBox="1"/>
+          <p:nvPr/>
+        </p:nvSpPr>
+        <p:spPr>
+          <a:xfrm>
+            <a:off x="2354580" y="7120551"/>
+            <a:ext cx="4632960" cy="461665"/>
+          </a:xfrm>
+          <a:prstGeom prst="rect">
+            <a:avLst/>
+          </a:prstGeom>
+          <a:noFill/>
+        </p:spPr>
+        <p:txBody>
+          <a:bodyPr wrap="square" rtlCol="0">
+            <a:spAutoFit/>
+          </a:bodyPr>
+          <a:lstStyle/>
+          <a:p>
+            <a:r>
+              <a:rPr lang="zh-CN" altLang="en-US" sz="2400" b="1">
+                <a:latin typeface="微软雅黑" panose="020B0503020204020204" pitchFamily="34" charset="-122"/>
+                <a:ea typeface="微软雅黑" panose="020B0503020204020204" pitchFamily="34" charset="-122"/>
+              </a:rPr>
+              <a:t>选择开发套件</a:t>
+            </a:r>
+          </a:p>
+        </p:txBody>
+      </p:sp>
+      <p:cxnSp>
+        <p:nvCxnSpPr>
+          <p:cNvPr id="20" name="直接箭头连接符 19">
+            <a:extLst>
+              <a:ext uri="{FF2B5EF4-FFF2-40B4-BE49-F238E27FC236}">
+                <a16:creationId xmlns:a16="http://schemas.microsoft.com/office/drawing/2014/main" id="{3FFE98CF-4058-FF21-5E84-3B898C5AB34D}"/>
+              </a:ext>
+            </a:extLst>
+          </p:cNvPr>
+          <p:cNvCxnSpPr/>
+          <p:nvPr/>
+        </p:nvCxnSpPr>
+        <p:spPr>
+          <a:xfrm>
+            <a:off x="6999657" y="8097032"/>
+            <a:ext cx="327660" cy="426720"/>
+          </a:xfrm>
+          <a:prstGeom prst="straightConnector1">
+            <a:avLst/>
+          </a:prstGeom>
+          <a:ln w="38100">
+            <a:solidFill>
+              <a:srgbClr val="C00000"/>
+            </a:solidFill>
+            <a:tailEnd type="triangle"/>
+          </a:ln>
+        </p:spPr>
+        <p:style>
+          <a:lnRef idx="1">
+            <a:schemeClr val="accent1"/>
+          </a:lnRef>
+          <a:fillRef idx="0">
+            <a:schemeClr val="accent1"/>
+          </a:fillRef>
+          <a:effectRef idx="0">
+            <a:schemeClr val="accent1"/>
+          </a:effectRef>
+          <a:fontRef idx="minor">
+            <a:schemeClr val="tx1"/>
+          </a:fontRef>
+        </p:style>
+      </p:cxnSp>
+      <p:sp>
+        <p:nvSpPr>
+          <p:cNvPr id="26" name="文本框 25">
+            <a:extLst>
+              <a:ext uri="{FF2B5EF4-FFF2-40B4-BE49-F238E27FC236}">
+                <a16:creationId xmlns:a16="http://schemas.microsoft.com/office/drawing/2014/main" id="{A49069EC-A488-5C82-07E6-454179F75185}"/>
+              </a:ext>
+            </a:extLst>
+          </p:cNvPr>
+          <p:cNvSpPr txBox="1"/>
+          <p:nvPr/>
+        </p:nvSpPr>
+        <p:spPr>
+          <a:xfrm>
+            <a:off x="479761" y="1470313"/>
+            <a:ext cx="5962909" cy="738664"/>
+          </a:xfrm>
+          <a:prstGeom prst="rect">
+            <a:avLst/>
+          </a:prstGeom>
+          <a:noFill/>
+        </p:spPr>
+        <p:txBody>
+          <a:bodyPr wrap="square" rtlCol="0">
+            <a:spAutoFit/>
+          </a:bodyPr>
+          <a:lstStyle/>
+          <a:p>
+            <a:r>
+              <a:rPr lang="zh-CN" altLang="en-US" sz="1400" b="1">
+                <a:solidFill>
+                  <a:srgbClr val="FF0000"/>
+                </a:solidFill>
+                <a:latin typeface="微软雅黑" panose="020B0503020204020204" pitchFamily="34" charset="-122"/>
+                <a:ea typeface="微软雅黑" panose="020B0503020204020204" pitchFamily="34" charset="-122"/>
+              </a:rPr>
+              <a:t>在窗口头文件中的类声明 </a:t>
+            </a:r>
+            <a:endParaRPr lang="en-US" altLang="zh-CN" sz="1400" b="1">
+              <a:solidFill>
+                <a:srgbClr val="FF0000"/>
+              </a:solidFill>
+              <a:latin typeface="微软雅黑" panose="020B0503020204020204" pitchFamily="34" charset="-122"/>
+              <a:ea typeface="微软雅黑" panose="020B0503020204020204" pitchFamily="34" charset="-122"/>
+            </a:endParaRPr>
+          </a:p>
+          <a:p>
+            <a:r>
+              <a:rPr lang="en-US" altLang="zh-CN" sz="1400" b="1">
+                <a:solidFill>
+                  <a:srgbClr val="FF0000"/>
+                </a:solidFill>
+                <a:latin typeface="微软雅黑" panose="020B0503020204020204" pitchFamily="34" charset="-122"/>
+                <a:ea typeface="微软雅黑" panose="020B0503020204020204" pitchFamily="34" charset="-122"/>
+              </a:rPr>
+              <a:t>Private slots </a:t>
+            </a:r>
+            <a:r>
+              <a:rPr lang="zh-CN" altLang="en-US" sz="1400" b="1">
+                <a:solidFill>
+                  <a:srgbClr val="FF0000"/>
+                </a:solidFill>
+                <a:latin typeface="微软雅黑" panose="020B0503020204020204" pitchFamily="34" charset="-122"/>
+                <a:ea typeface="微软雅黑" panose="020B0503020204020204" pitchFamily="34" charset="-122"/>
+              </a:rPr>
+              <a:t>中声明函数名，</a:t>
+            </a:r>
+            <a:endParaRPr lang="en-US" altLang="zh-CN" sz="1400" b="1">
+              <a:solidFill>
+                <a:srgbClr val="FF0000"/>
+              </a:solidFill>
+              <a:latin typeface="微软雅黑" panose="020B0503020204020204" pitchFamily="34" charset="-122"/>
+              <a:ea typeface="微软雅黑" panose="020B0503020204020204" pitchFamily="34" charset="-122"/>
+            </a:endParaRPr>
+          </a:p>
+          <a:p>
+            <a:r>
+              <a:rPr lang="zh-CN" altLang="en-US" sz="1400" b="1">
+                <a:solidFill>
+                  <a:srgbClr val="FF0000"/>
+                </a:solidFill>
+                <a:latin typeface="微软雅黑" panose="020B0503020204020204" pitchFamily="34" charset="-122"/>
+                <a:ea typeface="微软雅黑" panose="020B0503020204020204" pitchFamily="34" charset="-122"/>
+              </a:rPr>
+              <a:t>右击函数名，自动生成函数定义</a:t>
+            </a:r>
+            <a:endParaRPr lang="en-US" altLang="zh-CN" sz="1400" b="1">
+              <a:solidFill>
+                <a:srgbClr val="FF0000"/>
+              </a:solidFill>
+              <a:latin typeface="微软雅黑" panose="020B0503020204020204" pitchFamily="34" charset="-122"/>
+              <a:ea typeface="微软雅黑" panose="020B0503020204020204" pitchFamily="34" charset="-122"/>
+            </a:endParaRPr>
+          </a:p>
+        </p:txBody>
+      </p:sp>
+      <p:cxnSp>
+        <p:nvCxnSpPr>
+          <p:cNvPr id="31" name="直接箭头连接符 30">
+            <a:extLst>
+              <a:ext uri="{FF2B5EF4-FFF2-40B4-BE49-F238E27FC236}">
+                <a16:creationId xmlns:a16="http://schemas.microsoft.com/office/drawing/2014/main" id="{D1A618BC-0199-9AEB-33B5-349C164B41F2}"/>
+              </a:ext>
+            </a:extLst>
+          </p:cNvPr>
+          <p:cNvCxnSpPr>
+            <a:cxnSpLocks/>
+          </p:cNvCxnSpPr>
+          <p:nvPr/>
+        </p:nvCxnSpPr>
+        <p:spPr>
+          <a:xfrm flipV="1">
+            <a:off x="3252863" y="2728210"/>
+            <a:ext cx="551501" cy="151711"/>
+          </a:xfrm>
+          <a:prstGeom prst="straightConnector1">
+            <a:avLst/>
+          </a:prstGeom>
+          <a:ln w="19050">
+            <a:solidFill>
+              <a:srgbClr val="C00000"/>
+            </a:solidFill>
+            <a:tailEnd type="triangle"/>
+          </a:ln>
+        </p:spPr>
+        <p:style>
+          <a:lnRef idx="1">
+            <a:schemeClr val="accent1"/>
+          </a:lnRef>
+          <a:fillRef idx="0">
+            <a:schemeClr val="accent1"/>
+          </a:fillRef>
+          <a:effectRef idx="0">
+            <a:schemeClr val="accent1"/>
+          </a:effectRef>
+          <a:fontRef idx="minor">
+            <a:schemeClr val="tx1"/>
+          </a:fontRef>
+        </p:style>
+      </p:cxnSp>
+      <p:sp>
+        <p:nvSpPr>
+          <p:cNvPr id="15" name="矩形 14">
+            <a:extLst>
+              <a:ext uri="{FF2B5EF4-FFF2-40B4-BE49-F238E27FC236}">
+                <a16:creationId xmlns:a16="http://schemas.microsoft.com/office/drawing/2014/main" id="{3C968701-2DF5-665F-1307-7E9B7F3F2D0B}"/>
+              </a:ext>
+            </a:extLst>
+          </p:cNvPr>
+          <p:cNvSpPr/>
+          <p:nvPr/>
+        </p:nvSpPr>
+        <p:spPr>
+          <a:xfrm>
+            <a:off x="365611" y="2390931"/>
+            <a:ext cx="1665554" cy="223628"/>
+          </a:xfrm>
+          <a:prstGeom prst="rect">
+            <a:avLst/>
+          </a:prstGeom>
+          <a:noFill/>
+          <a:ln w="19050">
+            <a:solidFill>
+              <a:srgbClr val="C00000"/>
+            </a:solidFill>
+          </a:ln>
+        </p:spPr>
+        <p:style>
+          <a:lnRef idx="2">
+            <a:schemeClr val="accent1">
+              <a:shade val="15000"/>
+            </a:schemeClr>
+          </a:lnRef>
+          <a:fillRef idx="1">
+            <a:schemeClr val="accent1"/>
+          </a:fillRef>
+          <a:effectRef idx="0">
+            <a:schemeClr val="accent1"/>
+          </a:effectRef>
+          <a:fontRef idx="minor">
+            <a:schemeClr val="lt1"/>
+          </a:fontRef>
+        </p:style>
+        <p:txBody>
+          <a:bodyPr rtlCol="0" anchor="ctr"/>
+          <a:lstStyle/>
+          <a:p>
+            <a:pPr algn="ctr"/>
+            <a:endParaRPr lang="zh-CN" altLang="en-US">
+              <a:ln>
+                <a:solidFill>
+                  <a:sysClr val="windowText" lastClr="000000"/>
+                </a:solidFill>
+              </a:ln>
+              <a:solidFill>
+                <a:srgbClr val="FF0000"/>
+              </a:solidFill>
+            </a:endParaRPr>
+          </a:p>
+        </p:txBody>
+      </p:sp>
+      <p:sp>
+        <p:nvSpPr>
+          <p:cNvPr id="11" name="矩形 10">
+            <a:extLst>
+              <a:ext uri="{FF2B5EF4-FFF2-40B4-BE49-F238E27FC236}">
+                <a16:creationId xmlns:a16="http://schemas.microsoft.com/office/drawing/2014/main" id="{2D544C42-B3A5-3A58-BF21-25C592A83183}"/>
+              </a:ext>
+            </a:extLst>
+          </p:cNvPr>
+          <p:cNvSpPr/>
+          <p:nvPr/>
+        </p:nvSpPr>
+        <p:spPr>
+          <a:xfrm>
+            <a:off x="9227295" y="2834337"/>
+            <a:ext cx="2119301" cy="261131"/>
+          </a:xfrm>
+          <a:prstGeom prst="rect">
+            <a:avLst/>
+          </a:prstGeom>
+          <a:noFill/>
+          <a:ln w="19050">
+            <a:solidFill>
+              <a:srgbClr val="C00000"/>
+            </a:solidFill>
+          </a:ln>
+        </p:spPr>
+        <p:style>
+          <a:lnRef idx="2">
+            <a:schemeClr val="accent1">
+              <a:shade val="15000"/>
+            </a:schemeClr>
+          </a:lnRef>
+          <a:fillRef idx="1">
+            <a:schemeClr val="accent1"/>
+          </a:fillRef>
+          <a:effectRef idx="0">
+            <a:schemeClr val="accent1"/>
+          </a:effectRef>
+          <a:fontRef idx="minor">
+            <a:schemeClr val="lt1"/>
+          </a:fontRef>
+        </p:style>
+        <p:txBody>
+          <a:bodyPr rtlCol="0" anchor="ctr"/>
+          <a:lstStyle/>
+          <a:p>
+            <a:pPr algn="ctr"/>
+            <a:endParaRPr lang="zh-CN" altLang="en-US">
+              <a:ln>
+                <a:solidFill>
+                  <a:sysClr val="windowText" lastClr="000000"/>
+                </a:solidFill>
+              </a:ln>
+              <a:solidFill>
+                <a:srgbClr val="FF0000"/>
+              </a:solidFill>
+            </a:endParaRPr>
+          </a:p>
+        </p:txBody>
+      </p:sp>
+      <p:sp>
+        <p:nvSpPr>
+          <p:cNvPr id="13" name="文本框 12">
+            <a:extLst>
+              <a:ext uri="{FF2B5EF4-FFF2-40B4-BE49-F238E27FC236}">
+                <a16:creationId xmlns:a16="http://schemas.microsoft.com/office/drawing/2014/main" id="{AA2665AA-36FD-386A-0681-8786991A115C}"/>
+              </a:ext>
+            </a:extLst>
+          </p:cNvPr>
+          <p:cNvSpPr txBox="1"/>
+          <p:nvPr/>
+        </p:nvSpPr>
+        <p:spPr>
+          <a:xfrm>
+            <a:off x="447163" y="2969171"/>
+            <a:ext cx="5962909" cy="307777"/>
+          </a:xfrm>
+          <a:prstGeom prst="rect">
+            <a:avLst/>
+          </a:prstGeom>
+          <a:noFill/>
+        </p:spPr>
+        <p:txBody>
+          <a:bodyPr wrap="square" rtlCol="0">
+            <a:spAutoFit/>
+          </a:bodyPr>
+          <a:lstStyle/>
+          <a:p>
+            <a:r>
+              <a:rPr lang="zh-CN" altLang="en-US" sz="1400" b="1">
+                <a:solidFill>
+                  <a:srgbClr val="FF0000"/>
+                </a:solidFill>
+                <a:latin typeface="微软雅黑" panose="020B0503020204020204" pitchFamily="34" charset="-122"/>
+                <a:ea typeface="微软雅黑" panose="020B0503020204020204" pitchFamily="34" charset="-122"/>
+              </a:rPr>
+              <a:t>自定义槽函数命名规范：</a:t>
+            </a:r>
+            <a:r>
+              <a:rPr lang="en-US" altLang="zh-CN" sz="1400" b="1">
+                <a:solidFill>
+                  <a:srgbClr val="FF0000"/>
+                </a:solidFill>
+                <a:latin typeface="微软雅黑" panose="020B0503020204020204" pitchFamily="34" charset="-122"/>
+                <a:ea typeface="微软雅黑" panose="020B0503020204020204" pitchFamily="34" charset="-122"/>
+              </a:rPr>
+              <a:t>do_</a:t>
+            </a:r>
+            <a:r>
+              <a:rPr lang="zh-CN" altLang="en-US" sz="1400" b="1">
+                <a:solidFill>
+                  <a:srgbClr val="FF0000"/>
+                </a:solidFill>
+                <a:latin typeface="微软雅黑" panose="020B0503020204020204" pitchFamily="34" charset="-122"/>
+                <a:ea typeface="微软雅黑" panose="020B0503020204020204" pitchFamily="34" charset="-122"/>
+              </a:rPr>
+              <a:t>前缀</a:t>
+            </a:r>
+            <a:endParaRPr lang="en-US" altLang="zh-CN" sz="1400" b="1">
+              <a:solidFill>
+                <a:srgbClr val="FF0000"/>
+              </a:solidFill>
+              <a:latin typeface="微软雅黑" panose="020B0503020204020204" pitchFamily="34" charset="-122"/>
+              <a:ea typeface="微软雅黑" panose="020B0503020204020204" pitchFamily="34" charset="-122"/>
+            </a:endParaRPr>
+          </a:p>
+        </p:txBody>
+      </p:sp>
+    </p:spTree>
+    <p:extLst>
+      <p:ext uri="{BB962C8B-B14F-4D97-AF65-F5344CB8AC3E}">
+        <p14:creationId xmlns:p14="http://schemas.microsoft.com/office/powerpoint/2010/main" val="1831844845"/>
+      </p:ext>
+    </p:extLst>
+  </p:cSld>
+  <p:clrMapOvr>
+    <a:masterClrMapping/>
+  </p:clrMapOvr>
+</p:sld>
+</file>
+
+<file path=ppt/slides/slide13.xml><?xml version="1.0" encoding="utf-8"?>
+<p:sld xmlns:a="http://schemas.openxmlformats.org/drawingml/2006/main" xmlns:r="http://schemas.openxmlformats.org/officeDocument/2006/relationships" xmlns:p="http://schemas.openxmlformats.org/presentationml/2006/main">
+  <p:cSld>
+    <p:spTree>
+      <p:nvGrpSpPr>
+        <p:cNvPr id="1" name=""/>
+        <p:cNvGrpSpPr/>
+        <p:nvPr/>
+      </p:nvGrpSpPr>
+      <p:grpSpPr>
+        <a:xfrm>
+          <a:off x="0" y="0"/>
+          <a:ext cx="0" cy="0"/>
+          <a:chOff x="0" y="0"/>
+          <a:chExt cx="0" cy="0"/>
+        </a:xfrm>
+      </p:grpSpPr>
+      <p:sp>
+        <p:nvSpPr>
+          <p:cNvPr id="12" name="文本框 11">
+            <a:extLst>
+              <a:ext uri="{FF2B5EF4-FFF2-40B4-BE49-F238E27FC236}">
+                <a16:creationId xmlns:a16="http://schemas.microsoft.com/office/drawing/2014/main" id="{71D92524-AD01-727B-7B8B-F3B3CA04F0B5}"/>
+              </a:ext>
+            </a:extLst>
+          </p:cNvPr>
+          <p:cNvSpPr txBox="1"/>
+          <p:nvPr/>
+        </p:nvSpPr>
+        <p:spPr>
+          <a:xfrm>
+            <a:off x="2354580" y="7120551"/>
+            <a:ext cx="4632960" cy="461665"/>
+          </a:xfrm>
+          <a:prstGeom prst="rect">
+            <a:avLst/>
+          </a:prstGeom>
+          <a:noFill/>
+        </p:spPr>
+        <p:txBody>
+          <a:bodyPr wrap="square" rtlCol="0">
+            <a:spAutoFit/>
+          </a:bodyPr>
+          <a:lstStyle/>
+          <a:p>
+            <a:r>
+              <a:rPr lang="zh-CN" altLang="en-US" sz="2400" b="1">
+                <a:latin typeface="微软雅黑" panose="020B0503020204020204" pitchFamily="34" charset="-122"/>
+                <a:ea typeface="微软雅黑" panose="020B0503020204020204" pitchFamily="34" charset="-122"/>
+              </a:rPr>
+              <a:t>选择开发套件</a:t>
+            </a:r>
+          </a:p>
+        </p:txBody>
+      </p:sp>
+      <p:cxnSp>
+        <p:nvCxnSpPr>
+          <p:cNvPr id="20" name="直接箭头连接符 19">
+            <a:extLst>
+              <a:ext uri="{FF2B5EF4-FFF2-40B4-BE49-F238E27FC236}">
+                <a16:creationId xmlns:a16="http://schemas.microsoft.com/office/drawing/2014/main" id="{3FFE98CF-4058-FF21-5E84-3B898C5AB34D}"/>
+              </a:ext>
+            </a:extLst>
+          </p:cNvPr>
+          <p:cNvCxnSpPr/>
+          <p:nvPr/>
+        </p:nvCxnSpPr>
+        <p:spPr>
+          <a:xfrm>
+            <a:off x="6987540" y="4897874"/>
+            <a:ext cx="327660" cy="426720"/>
+          </a:xfrm>
+          <a:prstGeom prst="straightConnector1">
+            <a:avLst/>
+          </a:prstGeom>
+          <a:ln w="38100">
+            <a:solidFill>
+              <a:srgbClr val="C00000"/>
+            </a:solidFill>
+            <a:tailEnd type="triangle"/>
+          </a:ln>
+        </p:spPr>
+        <p:style>
+          <a:lnRef idx="1">
+            <a:schemeClr val="accent1"/>
+          </a:lnRef>
+          <a:fillRef idx="0">
+            <a:schemeClr val="accent1"/>
+          </a:fillRef>
+          <a:effectRef idx="0">
+            <a:schemeClr val="accent1"/>
+          </a:effectRef>
+          <a:fontRef idx="minor">
+            <a:schemeClr val="tx1"/>
+          </a:fontRef>
+        </p:style>
+      </p:cxnSp>
+      <p:sp>
+        <p:nvSpPr>
+          <p:cNvPr id="26" name="文本框 25">
+            <a:extLst>
+              <a:ext uri="{FF2B5EF4-FFF2-40B4-BE49-F238E27FC236}">
+                <a16:creationId xmlns:a16="http://schemas.microsoft.com/office/drawing/2014/main" id="{A49069EC-A488-5C82-07E6-454179F75185}"/>
+              </a:ext>
+            </a:extLst>
+          </p:cNvPr>
+          <p:cNvSpPr txBox="1"/>
+          <p:nvPr/>
+        </p:nvSpPr>
+        <p:spPr>
+          <a:xfrm>
+            <a:off x="4340068" y="1560786"/>
+            <a:ext cx="1921805" cy="307777"/>
+          </a:xfrm>
+          <a:prstGeom prst="rect">
+            <a:avLst/>
+          </a:prstGeom>
+          <a:noFill/>
+        </p:spPr>
+        <p:txBody>
+          <a:bodyPr wrap="square" rtlCol="0">
+            <a:spAutoFit/>
+          </a:bodyPr>
+          <a:lstStyle/>
+          <a:p>
+            <a:r>
+              <a:rPr lang="en-US" altLang="zh-CN" sz="1400" b="1">
+                <a:latin typeface="微软雅黑" panose="020B0503020204020204" pitchFamily="34" charset="-122"/>
+                <a:ea typeface="微软雅黑" panose="020B0503020204020204" pitchFamily="34" charset="-122"/>
+              </a:rPr>
+              <a:t>MOC</a:t>
+            </a:r>
+            <a:r>
+              <a:rPr lang="zh-CN" altLang="en-US" sz="1400" b="1">
+                <a:latin typeface="微软雅黑" panose="020B0503020204020204" pitchFamily="34" charset="-122"/>
+                <a:ea typeface="微软雅黑" panose="020B0503020204020204" pitchFamily="34" charset="-122"/>
+              </a:rPr>
+              <a:t>编译</a:t>
+            </a:r>
+            <a:endParaRPr lang="en-US" altLang="zh-CN" sz="1400" b="1">
+              <a:latin typeface="微软雅黑" panose="020B0503020204020204" pitchFamily="34" charset="-122"/>
+              <a:ea typeface="微软雅黑" panose="020B0503020204020204" pitchFamily="34" charset="-122"/>
+            </a:endParaRPr>
+          </a:p>
+        </p:txBody>
+      </p:sp>
+      <p:sp>
+        <p:nvSpPr>
+          <p:cNvPr id="15" name="矩形 14">
+            <a:extLst>
+              <a:ext uri="{FF2B5EF4-FFF2-40B4-BE49-F238E27FC236}">
+                <a16:creationId xmlns:a16="http://schemas.microsoft.com/office/drawing/2014/main" id="{3C968701-2DF5-665F-1307-7E9B7F3F2D0B}"/>
+              </a:ext>
+            </a:extLst>
+          </p:cNvPr>
+          <p:cNvSpPr/>
+          <p:nvPr/>
+        </p:nvSpPr>
+        <p:spPr>
+          <a:xfrm>
+            <a:off x="731128" y="4273343"/>
+            <a:ext cx="6155111" cy="494246"/>
+          </a:xfrm>
+          <a:prstGeom prst="rect">
+            <a:avLst/>
+          </a:prstGeom>
+          <a:noFill/>
+          <a:ln w="19050">
+            <a:solidFill>
+              <a:srgbClr val="C00000"/>
+            </a:solidFill>
+          </a:ln>
+        </p:spPr>
+        <p:style>
+          <a:lnRef idx="2">
+            <a:schemeClr val="accent1">
+              <a:shade val="15000"/>
+            </a:schemeClr>
+          </a:lnRef>
+          <a:fillRef idx="1">
+            <a:schemeClr val="accent1"/>
+          </a:fillRef>
+          <a:effectRef idx="0">
+            <a:schemeClr val="accent1"/>
+          </a:effectRef>
+          <a:fontRef idx="minor">
+            <a:schemeClr val="lt1"/>
+          </a:fontRef>
+        </p:style>
+        <p:txBody>
+          <a:bodyPr rtlCol="0" anchor="ctr"/>
+          <a:lstStyle/>
+          <a:p>
+            <a:pPr algn="ctr"/>
+            <a:endParaRPr lang="zh-CN" altLang="en-US">
+              <a:ln>
+                <a:solidFill>
+                  <a:sysClr val="windowText" lastClr="000000"/>
+                </a:solidFill>
+              </a:ln>
+              <a:solidFill>
+                <a:srgbClr val="FF0000"/>
+              </a:solidFill>
+            </a:endParaRPr>
+          </a:p>
+        </p:txBody>
+      </p:sp>
+      <p:sp>
+        <p:nvSpPr>
+          <p:cNvPr id="11" name="矩形 10">
+            <a:extLst>
+              <a:ext uri="{FF2B5EF4-FFF2-40B4-BE49-F238E27FC236}">
+                <a16:creationId xmlns:a16="http://schemas.microsoft.com/office/drawing/2014/main" id="{2D544C42-B3A5-3A58-BF21-25C592A83183}"/>
+              </a:ext>
+            </a:extLst>
+          </p:cNvPr>
+          <p:cNvSpPr/>
+          <p:nvPr/>
+        </p:nvSpPr>
+        <p:spPr>
+          <a:xfrm>
+            <a:off x="1689382" y="1736752"/>
+            <a:ext cx="2119301" cy="367258"/>
+          </a:xfrm>
+          <a:prstGeom prst="rect">
+            <a:avLst/>
+          </a:prstGeom>
+          <a:noFill/>
+          <a:ln w="19050">
+            <a:solidFill>
+              <a:srgbClr val="C00000"/>
+            </a:solidFill>
+          </a:ln>
+        </p:spPr>
+        <p:style>
+          <a:lnRef idx="2">
+            <a:schemeClr val="accent1">
+              <a:shade val="15000"/>
+            </a:schemeClr>
+          </a:lnRef>
+          <a:fillRef idx="1">
+            <a:schemeClr val="accent1"/>
+          </a:fillRef>
+          <a:effectRef idx="0">
+            <a:schemeClr val="accent1"/>
+          </a:effectRef>
+          <a:fontRef idx="minor">
+            <a:schemeClr val="lt1"/>
+          </a:fontRef>
+        </p:style>
+        <p:txBody>
+          <a:bodyPr rtlCol="0" anchor="ctr"/>
+          <a:lstStyle/>
+          <a:p>
+            <a:pPr algn="ctr"/>
+            <a:r>
+              <a:rPr lang="en-US" altLang="zh-CN">
+                <a:ln>
+                  <a:solidFill>
+                    <a:sysClr val="windowText" lastClr="000000"/>
+                  </a:solidFill>
+                </a:ln>
+                <a:solidFill>
+                  <a:srgbClr val="FF0000"/>
+                </a:solidFill>
+              </a:rPr>
+              <a:t>Qt C++</a:t>
+            </a:r>
+            <a:r>
+              <a:rPr lang="zh-CN" altLang="en-US">
+                <a:ln>
+                  <a:solidFill>
+                    <a:sysClr val="windowText" lastClr="000000"/>
+                  </a:solidFill>
+                </a:ln>
+                <a:solidFill>
+                  <a:srgbClr val="FF0000"/>
+                </a:solidFill>
+              </a:rPr>
+              <a:t>头文件</a:t>
+            </a:r>
+          </a:p>
+        </p:txBody>
+      </p:sp>
+      <p:sp>
+        <p:nvSpPr>
+          <p:cNvPr id="13" name="文本框 12">
+            <a:extLst>
+              <a:ext uri="{FF2B5EF4-FFF2-40B4-BE49-F238E27FC236}">
+                <a16:creationId xmlns:a16="http://schemas.microsoft.com/office/drawing/2014/main" id="{AA2665AA-36FD-386A-0681-8786991A115C}"/>
+              </a:ext>
+            </a:extLst>
+          </p:cNvPr>
+          <p:cNvSpPr txBox="1"/>
+          <p:nvPr/>
+        </p:nvSpPr>
+        <p:spPr>
+          <a:xfrm>
+            <a:off x="3874511" y="4980790"/>
+            <a:ext cx="5962909" cy="307777"/>
+          </a:xfrm>
+          <a:prstGeom prst="rect">
+            <a:avLst/>
+          </a:prstGeom>
+          <a:noFill/>
+        </p:spPr>
+        <p:txBody>
+          <a:bodyPr wrap="square" rtlCol="0">
+            <a:spAutoFit/>
+          </a:bodyPr>
+          <a:lstStyle/>
+          <a:p>
+            <a:r>
+              <a:rPr lang="zh-CN" altLang="en-US" sz="1400" b="1">
+                <a:solidFill>
+                  <a:srgbClr val="FF0000"/>
+                </a:solidFill>
+                <a:latin typeface="微软雅黑" panose="020B0503020204020204" pitchFamily="34" charset="-122"/>
+                <a:ea typeface="微软雅黑" panose="020B0503020204020204" pitchFamily="34" charset="-122"/>
+              </a:rPr>
+              <a:t>在界面构造函数内，对</a:t>
+            </a:r>
+            <a:r>
+              <a:rPr lang="en-US" altLang="zh-CN" sz="1400" b="1">
+                <a:solidFill>
+                  <a:srgbClr val="FF0000"/>
+                </a:solidFill>
+                <a:latin typeface="微软雅黑" panose="020B0503020204020204" pitchFamily="34" charset="-122"/>
+                <a:ea typeface="微软雅黑" panose="020B0503020204020204" pitchFamily="34" charset="-122"/>
+              </a:rPr>
+              <a:t>ui</a:t>
+            </a:r>
+            <a:r>
+              <a:rPr lang="zh-CN" altLang="en-US" sz="1400" b="1">
+                <a:solidFill>
+                  <a:srgbClr val="FF0000"/>
+                </a:solidFill>
+                <a:latin typeface="微软雅黑" panose="020B0503020204020204" pitchFamily="34" charset="-122"/>
+                <a:ea typeface="微软雅黑" panose="020B0503020204020204" pitchFamily="34" charset="-122"/>
+              </a:rPr>
+              <a:t>进行</a:t>
+            </a:r>
+            <a:r>
+              <a:rPr lang="en-US" altLang="zh-CN" sz="1400" b="1">
+                <a:solidFill>
+                  <a:srgbClr val="FF0000"/>
+                </a:solidFill>
+                <a:latin typeface="微软雅黑" panose="020B0503020204020204" pitchFamily="34" charset="-122"/>
+                <a:ea typeface="微软雅黑" panose="020B0503020204020204" pitchFamily="34" charset="-122"/>
+              </a:rPr>
+              <a:t>setupUi </a:t>
+            </a:r>
+            <a:r>
+              <a:rPr lang="zh-CN" altLang="en-US" sz="1400" b="1">
+                <a:solidFill>
+                  <a:srgbClr val="FF0000"/>
+                </a:solidFill>
+                <a:latin typeface="微软雅黑" panose="020B0503020204020204" pitchFamily="34" charset="-122"/>
+                <a:ea typeface="微软雅黑" panose="020B0503020204020204" pitchFamily="34" charset="-122"/>
+              </a:rPr>
+              <a:t>之后进行手动关联信号与槽函数</a:t>
+            </a:r>
+            <a:endParaRPr lang="en-US" altLang="zh-CN" sz="1400" b="1">
+              <a:solidFill>
+                <a:srgbClr val="FF0000"/>
+              </a:solidFill>
+              <a:latin typeface="微软雅黑" panose="020B0503020204020204" pitchFamily="34" charset="-122"/>
+              <a:ea typeface="微软雅黑" panose="020B0503020204020204" pitchFamily="34" charset="-122"/>
+            </a:endParaRPr>
+          </a:p>
+        </p:txBody>
+      </p:sp>
+      <p:sp>
+        <p:nvSpPr>
+          <p:cNvPr id="5" name="矩形 4">
+            <a:extLst>
+              <a:ext uri="{FF2B5EF4-FFF2-40B4-BE49-F238E27FC236}">
+                <a16:creationId xmlns:a16="http://schemas.microsoft.com/office/drawing/2014/main" id="{004E4796-9A5D-3D9C-B77F-17DD824BA7E0}"/>
+              </a:ext>
+            </a:extLst>
+          </p:cNvPr>
+          <p:cNvSpPr/>
+          <p:nvPr/>
+        </p:nvSpPr>
+        <p:spPr>
+          <a:xfrm>
+            <a:off x="1689381" y="2608569"/>
+            <a:ext cx="2119301" cy="367258"/>
+          </a:xfrm>
+          <a:prstGeom prst="rect">
+            <a:avLst/>
+          </a:prstGeom>
+          <a:noFill/>
+          <a:ln w="19050">
+            <a:solidFill>
+              <a:srgbClr val="C00000"/>
+            </a:solidFill>
+          </a:ln>
+        </p:spPr>
+        <p:style>
+          <a:lnRef idx="2">
+            <a:schemeClr val="accent1">
+              <a:shade val="15000"/>
+            </a:schemeClr>
+          </a:lnRef>
+          <a:fillRef idx="1">
+            <a:schemeClr val="accent1"/>
+          </a:fillRef>
+          <a:effectRef idx="0">
+            <a:schemeClr val="accent1"/>
+          </a:effectRef>
+          <a:fontRef idx="minor">
+            <a:schemeClr val="lt1"/>
+          </a:fontRef>
+        </p:style>
+        <p:txBody>
+          <a:bodyPr rtlCol="0" anchor="ctr"/>
+          <a:lstStyle/>
+          <a:p>
+            <a:pPr algn="ctr"/>
+            <a:r>
+              <a:rPr lang="zh-CN" altLang="en-US">
+                <a:ln>
+                  <a:solidFill>
+                    <a:sysClr val="windowText" lastClr="000000"/>
+                  </a:solidFill>
+                </a:ln>
+                <a:solidFill>
+                  <a:srgbClr val="FF0000"/>
+                </a:solidFill>
+              </a:rPr>
+              <a:t>窗口 </a:t>
+            </a:r>
+            <a:r>
+              <a:rPr lang="en-US" altLang="zh-CN">
+                <a:ln>
+                  <a:solidFill>
+                    <a:sysClr val="windowText" lastClr="000000"/>
+                  </a:solidFill>
+                </a:ln>
+                <a:solidFill>
+                  <a:srgbClr val="FF0000"/>
+                </a:solidFill>
+              </a:rPr>
+              <a:t>UI </a:t>
+            </a:r>
+            <a:r>
+              <a:rPr lang="zh-CN" altLang="en-US">
+                <a:ln>
+                  <a:solidFill>
+                    <a:sysClr val="windowText" lastClr="000000"/>
+                  </a:solidFill>
+                </a:ln>
+                <a:solidFill>
+                  <a:srgbClr val="FF0000"/>
+                </a:solidFill>
+              </a:rPr>
+              <a:t>文件</a:t>
+            </a:r>
+          </a:p>
+        </p:txBody>
+      </p:sp>
+      <p:sp>
+        <p:nvSpPr>
+          <p:cNvPr id="7" name="矩形 6">
+            <a:extLst>
+              <a:ext uri="{FF2B5EF4-FFF2-40B4-BE49-F238E27FC236}">
+                <a16:creationId xmlns:a16="http://schemas.microsoft.com/office/drawing/2014/main" id="{375BC315-6714-6B93-1E7E-395598E53014}"/>
+              </a:ext>
+            </a:extLst>
+          </p:cNvPr>
+          <p:cNvSpPr/>
+          <p:nvPr/>
+        </p:nvSpPr>
+        <p:spPr>
+          <a:xfrm>
+            <a:off x="1689381" y="3480386"/>
+            <a:ext cx="2119301" cy="367258"/>
+          </a:xfrm>
+          <a:prstGeom prst="rect">
+            <a:avLst/>
+          </a:prstGeom>
+          <a:noFill/>
+          <a:ln w="19050">
+            <a:solidFill>
+              <a:srgbClr val="C00000"/>
+            </a:solidFill>
+          </a:ln>
+        </p:spPr>
+        <p:style>
+          <a:lnRef idx="2">
+            <a:schemeClr val="accent1">
+              <a:shade val="15000"/>
+            </a:schemeClr>
+          </a:lnRef>
+          <a:fillRef idx="1">
+            <a:schemeClr val="accent1"/>
+          </a:fillRef>
+          <a:effectRef idx="0">
+            <a:schemeClr val="accent1"/>
+          </a:effectRef>
+          <a:fontRef idx="minor">
+            <a:schemeClr val="lt1"/>
+          </a:fontRef>
+        </p:style>
+        <p:txBody>
+          <a:bodyPr rtlCol="0" anchor="ctr"/>
+          <a:lstStyle/>
+          <a:p>
+            <a:pPr algn="ctr"/>
+            <a:r>
+              <a:rPr lang="zh-CN" altLang="en-US">
+                <a:ln>
+                  <a:solidFill>
+                    <a:sysClr val="windowText" lastClr="000000"/>
+                  </a:solidFill>
+                </a:ln>
+                <a:solidFill>
+                  <a:srgbClr val="FF0000"/>
+                </a:solidFill>
+              </a:rPr>
+              <a:t>资源文件</a:t>
+            </a:r>
+          </a:p>
+        </p:txBody>
+      </p:sp>
+      <p:sp>
+        <p:nvSpPr>
+          <p:cNvPr id="8" name="矩形 7">
+            <a:extLst>
+              <a:ext uri="{FF2B5EF4-FFF2-40B4-BE49-F238E27FC236}">
+                <a16:creationId xmlns:a16="http://schemas.microsoft.com/office/drawing/2014/main" id="{69844634-7160-B9B9-FE69-AD59E6E91229}"/>
+              </a:ext>
+            </a:extLst>
+          </p:cNvPr>
+          <p:cNvSpPr/>
+          <p:nvPr/>
+        </p:nvSpPr>
+        <p:spPr>
+          <a:xfrm>
+            <a:off x="4916425" y="2607142"/>
+            <a:ext cx="2119301" cy="367258"/>
+          </a:xfrm>
+          <a:prstGeom prst="rect">
+            <a:avLst/>
+          </a:prstGeom>
+          <a:noFill/>
+          <a:ln w="19050">
+            <a:solidFill>
+              <a:srgbClr val="C00000"/>
+            </a:solidFill>
+          </a:ln>
+        </p:spPr>
+        <p:style>
+          <a:lnRef idx="2">
+            <a:schemeClr val="accent1">
+              <a:shade val="15000"/>
+            </a:schemeClr>
+          </a:lnRef>
+          <a:fillRef idx="1">
+            <a:schemeClr val="accent1"/>
+          </a:fillRef>
+          <a:effectRef idx="0">
+            <a:schemeClr val="accent1"/>
+          </a:effectRef>
+          <a:fontRef idx="minor">
+            <a:schemeClr val="lt1"/>
+          </a:fontRef>
+        </p:style>
+        <p:txBody>
+          <a:bodyPr rtlCol="0" anchor="ctr"/>
+          <a:lstStyle/>
+          <a:p>
+            <a:pPr algn="ctr"/>
+            <a:r>
+              <a:rPr lang="zh-CN" altLang="en-US">
+                <a:ln>
+                  <a:solidFill>
+                    <a:sysClr val="windowText" lastClr="000000"/>
+                  </a:solidFill>
+                </a:ln>
+                <a:solidFill>
+                  <a:srgbClr val="FF0000"/>
+                </a:solidFill>
+              </a:rPr>
+              <a:t>标准</a:t>
+            </a:r>
+            <a:r>
+              <a:rPr lang="en-US" altLang="zh-CN">
+                <a:ln>
+                  <a:solidFill>
+                    <a:sysClr val="windowText" lastClr="000000"/>
+                  </a:solidFill>
+                </a:ln>
+                <a:solidFill>
+                  <a:srgbClr val="FF0000"/>
+                </a:solidFill>
+              </a:rPr>
+              <a:t>C++</a:t>
+            </a:r>
+            <a:r>
+              <a:rPr lang="zh-CN" altLang="en-US">
+                <a:ln>
+                  <a:solidFill>
+                    <a:sysClr val="windowText" lastClr="000000"/>
+                  </a:solidFill>
+                </a:ln>
+                <a:solidFill>
+                  <a:srgbClr val="FF0000"/>
+                </a:solidFill>
+              </a:rPr>
+              <a:t>程序</a:t>
+            </a:r>
+          </a:p>
+        </p:txBody>
+      </p:sp>
+      <p:cxnSp>
+        <p:nvCxnSpPr>
+          <p:cNvPr id="10" name="连接符: 肘形 9">
+            <a:extLst>
+              <a:ext uri="{FF2B5EF4-FFF2-40B4-BE49-F238E27FC236}">
+                <a16:creationId xmlns:a16="http://schemas.microsoft.com/office/drawing/2014/main" id="{6054FDAA-B463-9AB2-FDEA-C98A92179765}"/>
+              </a:ext>
+            </a:extLst>
+          </p:cNvPr>
+          <p:cNvCxnSpPr>
+            <a:cxnSpLocks/>
+            <a:stCxn id="11" idx="3"/>
+            <a:endCxn id="8" idx="0"/>
+          </p:cNvCxnSpPr>
+          <p:nvPr/>
+        </p:nvCxnSpPr>
+        <p:spPr>
+          <a:xfrm>
+            <a:off x="3808683" y="1920381"/>
+            <a:ext cx="2167393" cy="686761"/>
+          </a:xfrm>
+          <a:prstGeom prst="bentConnector2">
+            <a:avLst/>
+          </a:prstGeom>
+          <a:ln w="28575">
+            <a:solidFill>
+              <a:srgbClr val="C00000"/>
+            </a:solidFill>
+            <a:tailEnd type="triangle"/>
+          </a:ln>
+        </p:spPr>
+        <p:style>
+          <a:lnRef idx="1">
+            <a:schemeClr val="accent1"/>
+          </a:lnRef>
+          <a:fillRef idx="0">
+            <a:schemeClr val="accent1"/>
+          </a:fillRef>
+          <a:effectRef idx="0">
+            <a:schemeClr val="accent1"/>
+          </a:effectRef>
+          <a:fontRef idx="minor">
+            <a:schemeClr val="tx1"/>
+          </a:fontRef>
+        </p:style>
+      </p:cxnSp>
+      <p:cxnSp>
+        <p:nvCxnSpPr>
+          <p:cNvPr id="16" name="连接符: 肘形 15">
+            <a:extLst>
+              <a:ext uri="{FF2B5EF4-FFF2-40B4-BE49-F238E27FC236}">
+                <a16:creationId xmlns:a16="http://schemas.microsoft.com/office/drawing/2014/main" id="{5601F5A0-C49E-92D6-9804-B3951B74EA92}"/>
+              </a:ext>
+            </a:extLst>
+          </p:cNvPr>
+          <p:cNvCxnSpPr>
+            <a:cxnSpLocks/>
+            <a:stCxn id="7" idx="3"/>
+            <a:endCxn id="8" idx="2"/>
+          </p:cNvCxnSpPr>
+          <p:nvPr/>
+        </p:nvCxnSpPr>
+        <p:spPr>
+          <a:xfrm flipV="1">
+            <a:off x="3808682" y="2974400"/>
+            <a:ext cx="2167394" cy="689615"/>
+          </a:xfrm>
+          <a:prstGeom prst="bentConnector2">
+            <a:avLst/>
+          </a:prstGeom>
+          <a:ln w="28575">
+            <a:solidFill>
+              <a:srgbClr val="C00000"/>
+            </a:solidFill>
+            <a:tailEnd type="triangle"/>
+          </a:ln>
+        </p:spPr>
+        <p:style>
+          <a:lnRef idx="1">
+            <a:schemeClr val="accent1"/>
+          </a:lnRef>
+          <a:fillRef idx="0">
+            <a:schemeClr val="accent1"/>
+          </a:fillRef>
+          <a:effectRef idx="0">
+            <a:schemeClr val="accent1"/>
+          </a:effectRef>
+          <a:fontRef idx="minor">
+            <a:schemeClr val="tx1"/>
+          </a:fontRef>
+        </p:style>
+      </p:cxnSp>
+      <p:cxnSp>
+        <p:nvCxnSpPr>
+          <p:cNvPr id="22" name="直接箭头连接符 21">
+            <a:extLst>
+              <a:ext uri="{FF2B5EF4-FFF2-40B4-BE49-F238E27FC236}">
+                <a16:creationId xmlns:a16="http://schemas.microsoft.com/office/drawing/2014/main" id="{2AEB13CE-9CA6-E460-F53B-337400A7162C}"/>
+              </a:ext>
+            </a:extLst>
+          </p:cNvPr>
+          <p:cNvCxnSpPr>
+            <a:stCxn id="5" idx="3"/>
+            <a:endCxn id="8" idx="1"/>
+          </p:cNvCxnSpPr>
+          <p:nvPr/>
+        </p:nvCxnSpPr>
+        <p:spPr>
+          <a:xfrm flipV="1">
+            <a:off x="3808682" y="2790771"/>
+            <a:ext cx="1107743" cy="1427"/>
+          </a:xfrm>
+          <a:prstGeom prst="straightConnector1">
+            <a:avLst/>
+          </a:prstGeom>
+          <a:ln w="28575">
+            <a:solidFill>
+              <a:srgbClr val="C00000"/>
+            </a:solidFill>
+            <a:tailEnd type="triangle"/>
+          </a:ln>
+        </p:spPr>
+        <p:style>
+          <a:lnRef idx="1">
+            <a:schemeClr val="accent1"/>
+          </a:lnRef>
+          <a:fillRef idx="0">
+            <a:schemeClr val="accent1"/>
+          </a:fillRef>
+          <a:effectRef idx="0">
+            <a:schemeClr val="accent1"/>
+          </a:effectRef>
+          <a:fontRef idx="minor">
+            <a:schemeClr val="tx1"/>
+          </a:fontRef>
+        </p:style>
+      </p:cxnSp>
+      <p:sp>
+        <p:nvSpPr>
+          <p:cNvPr id="23" name="文本框 22">
+            <a:extLst>
+              <a:ext uri="{FF2B5EF4-FFF2-40B4-BE49-F238E27FC236}">
+                <a16:creationId xmlns:a16="http://schemas.microsoft.com/office/drawing/2014/main" id="{B882BEBE-229C-B182-E8AC-5F41E8C86EEF}"/>
+              </a:ext>
+            </a:extLst>
+          </p:cNvPr>
+          <p:cNvSpPr txBox="1"/>
+          <p:nvPr/>
+        </p:nvSpPr>
+        <p:spPr>
+          <a:xfrm>
+            <a:off x="3931476" y="2434041"/>
+            <a:ext cx="1921805" cy="307777"/>
+          </a:xfrm>
+          <a:prstGeom prst="rect">
+            <a:avLst/>
+          </a:prstGeom>
+          <a:noFill/>
+        </p:spPr>
+        <p:txBody>
+          <a:bodyPr wrap="square" rtlCol="0">
+            <a:spAutoFit/>
+          </a:bodyPr>
+          <a:lstStyle/>
+          <a:p>
+            <a:r>
+              <a:rPr lang="en-US" altLang="zh-CN" sz="1400" b="1">
+                <a:latin typeface="微软雅黑" panose="020B0503020204020204" pitchFamily="34" charset="-122"/>
+                <a:ea typeface="微软雅黑" panose="020B0503020204020204" pitchFamily="34" charset="-122"/>
+              </a:rPr>
+              <a:t>UIC</a:t>
+            </a:r>
+            <a:r>
+              <a:rPr lang="zh-CN" altLang="en-US" sz="1400" b="1">
+                <a:latin typeface="微软雅黑" panose="020B0503020204020204" pitchFamily="34" charset="-122"/>
+                <a:ea typeface="微软雅黑" panose="020B0503020204020204" pitchFamily="34" charset="-122"/>
+              </a:rPr>
+              <a:t>编译</a:t>
+            </a:r>
+            <a:endParaRPr lang="en-US" altLang="zh-CN" sz="1400" b="1">
+              <a:latin typeface="微软雅黑" panose="020B0503020204020204" pitchFamily="34" charset="-122"/>
+              <a:ea typeface="微软雅黑" panose="020B0503020204020204" pitchFamily="34" charset="-122"/>
+            </a:endParaRPr>
+          </a:p>
+        </p:txBody>
+      </p:sp>
+      <p:sp>
+        <p:nvSpPr>
+          <p:cNvPr id="24" name="文本框 23">
+            <a:extLst>
+              <a:ext uri="{FF2B5EF4-FFF2-40B4-BE49-F238E27FC236}">
+                <a16:creationId xmlns:a16="http://schemas.microsoft.com/office/drawing/2014/main" id="{7727F7D4-2C34-92ED-CA39-0FFA1C715337}"/>
+              </a:ext>
+            </a:extLst>
+          </p:cNvPr>
+          <p:cNvSpPr txBox="1"/>
+          <p:nvPr/>
+        </p:nvSpPr>
+        <p:spPr>
+          <a:xfrm>
+            <a:off x="4362553" y="3315929"/>
+            <a:ext cx="1921805" cy="307777"/>
+          </a:xfrm>
+          <a:prstGeom prst="rect">
+            <a:avLst/>
+          </a:prstGeom>
+          <a:noFill/>
+        </p:spPr>
+        <p:txBody>
+          <a:bodyPr wrap="square" rtlCol="0">
+            <a:spAutoFit/>
+          </a:bodyPr>
+          <a:lstStyle/>
+          <a:p>
+            <a:r>
+              <a:rPr lang="en-US" altLang="zh-CN" sz="1400" b="1">
+                <a:latin typeface="微软雅黑" panose="020B0503020204020204" pitchFamily="34" charset="-122"/>
+                <a:ea typeface="微软雅黑" panose="020B0503020204020204" pitchFamily="34" charset="-122"/>
+              </a:rPr>
+              <a:t>RCC</a:t>
+            </a:r>
+            <a:r>
+              <a:rPr lang="zh-CN" altLang="en-US" sz="1400" b="1">
+                <a:latin typeface="微软雅黑" panose="020B0503020204020204" pitchFamily="34" charset="-122"/>
+                <a:ea typeface="微软雅黑" panose="020B0503020204020204" pitchFamily="34" charset="-122"/>
+              </a:rPr>
+              <a:t>编译</a:t>
+            </a:r>
+            <a:endParaRPr lang="en-US" altLang="zh-CN" sz="1400" b="1">
+              <a:latin typeface="微软雅黑" panose="020B0503020204020204" pitchFamily="34" charset="-122"/>
+              <a:ea typeface="微软雅黑" panose="020B0503020204020204" pitchFamily="34" charset="-122"/>
+            </a:endParaRPr>
+          </a:p>
+        </p:txBody>
+      </p:sp>
+      <p:sp>
+        <p:nvSpPr>
+          <p:cNvPr id="25" name="矩形 24">
+            <a:extLst>
+              <a:ext uri="{FF2B5EF4-FFF2-40B4-BE49-F238E27FC236}">
+                <a16:creationId xmlns:a16="http://schemas.microsoft.com/office/drawing/2014/main" id="{A1C475D6-C93C-EE54-06F9-21DFD637489B}"/>
+              </a:ext>
+            </a:extLst>
+          </p:cNvPr>
+          <p:cNvSpPr/>
+          <p:nvPr/>
+        </p:nvSpPr>
+        <p:spPr>
+          <a:xfrm>
+            <a:off x="8225923" y="2605540"/>
+            <a:ext cx="2119301" cy="367258"/>
+          </a:xfrm>
+          <a:prstGeom prst="rect">
+            <a:avLst/>
+          </a:prstGeom>
+          <a:noFill/>
+          <a:ln w="19050">
+            <a:solidFill>
+              <a:srgbClr val="C00000"/>
+            </a:solidFill>
+          </a:ln>
+        </p:spPr>
+        <p:style>
+          <a:lnRef idx="2">
+            <a:schemeClr val="accent1">
+              <a:shade val="15000"/>
+            </a:schemeClr>
+          </a:lnRef>
+          <a:fillRef idx="1">
+            <a:schemeClr val="accent1"/>
+          </a:fillRef>
+          <a:effectRef idx="0">
+            <a:schemeClr val="accent1"/>
+          </a:effectRef>
+          <a:fontRef idx="minor">
+            <a:schemeClr val="lt1"/>
+          </a:fontRef>
+        </p:style>
+        <p:txBody>
+          <a:bodyPr rtlCol="0" anchor="ctr"/>
+          <a:lstStyle/>
+          <a:p>
+            <a:pPr algn="ctr"/>
+            <a:r>
+              <a:rPr lang="zh-CN" altLang="en-US">
+                <a:ln>
+                  <a:solidFill>
+                    <a:sysClr val="windowText" lastClr="000000"/>
+                  </a:solidFill>
+                </a:ln>
+                <a:solidFill>
+                  <a:srgbClr val="FF0000"/>
+                </a:solidFill>
+              </a:rPr>
+              <a:t>可执行文件</a:t>
+            </a:r>
+          </a:p>
+        </p:txBody>
+      </p:sp>
+      <p:cxnSp>
+        <p:nvCxnSpPr>
+          <p:cNvPr id="27" name="直接箭头连接符 26">
+            <a:extLst>
+              <a:ext uri="{FF2B5EF4-FFF2-40B4-BE49-F238E27FC236}">
+                <a16:creationId xmlns:a16="http://schemas.microsoft.com/office/drawing/2014/main" id="{1EA3B449-2D1F-8A6F-9DC6-C798E218D5E1}"/>
+              </a:ext>
+            </a:extLst>
+          </p:cNvPr>
+          <p:cNvCxnSpPr>
+            <a:cxnSpLocks/>
+            <a:stCxn id="8" idx="3"/>
+            <a:endCxn id="25" idx="1"/>
+          </p:cNvCxnSpPr>
+          <p:nvPr/>
+        </p:nvCxnSpPr>
+        <p:spPr>
+          <a:xfrm flipV="1">
+            <a:off x="7035726" y="2789169"/>
+            <a:ext cx="1190197" cy="1602"/>
+          </a:xfrm>
+          <a:prstGeom prst="straightConnector1">
+            <a:avLst/>
+          </a:prstGeom>
+          <a:ln w="28575">
+            <a:solidFill>
+              <a:srgbClr val="C00000"/>
+            </a:solidFill>
+            <a:tailEnd type="triangle"/>
+          </a:ln>
+        </p:spPr>
+        <p:style>
+          <a:lnRef idx="1">
+            <a:schemeClr val="accent1"/>
+          </a:lnRef>
+          <a:fillRef idx="0">
+            <a:schemeClr val="accent1"/>
+          </a:fillRef>
+          <a:effectRef idx="0">
+            <a:schemeClr val="accent1"/>
+          </a:effectRef>
+          <a:fontRef idx="minor">
+            <a:schemeClr val="tx1"/>
+          </a:fontRef>
+        </p:style>
+      </p:cxnSp>
+      <p:sp>
+        <p:nvSpPr>
+          <p:cNvPr id="30" name="文本框 29">
+            <a:extLst>
+              <a:ext uri="{FF2B5EF4-FFF2-40B4-BE49-F238E27FC236}">
+                <a16:creationId xmlns:a16="http://schemas.microsoft.com/office/drawing/2014/main" id="{6007AE55-BB34-ACEC-D2F3-4C392FDABD4A}"/>
+              </a:ext>
+            </a:extLst>
+          </p:cNvPr>
+          <p:cNvSpPr txBox="1"/>
+          <p:nvPr/>
+        </p:nvSpPr>
+        <p:spPr>
+          <a:xfrm>
+            <a:off x="6731057" y="2533857"/>
+            <a:ext cx="1921805" cy="523220"/>
+          </a:xfrm>
+          <a:prstGeom prst="rect">
+            <a:avLst/>
+          </a:prstGeom>
+          <a:noFill/>
+        </p:spPr>
+        <p:txBody>
+          <a:bodyPr wrap="square" rtlCol="0">
+            <a:spAutoFit/>
+          </a:bodyPr>
+          <a:lstStyle/>
+          <a:p>
+            <a:pPr algn="ctr"/>
+            <a:r>
+              <a:rPr lang="zh-CN" altLang="en-US" sz="1400" b="1">
+                <a:latin typeface="微软雅黑" panose="020B0503020204020204" pitchFamily="34" charset="-122"/>
+                <a:ea typeface="微软雅黑" panose="020B0503020204020204" pitchFamily="34" charset="-122"/>
+              </a:rPr>
+              <a:t>标准</a:t>
+            </a:r>
+            <a:r>
+              <a:rPr lang="en-US" altLang="zh-CN" sz="1400" b="1">
+                <a:latin typeface="微软雅黑" panose="020B0503020204020204" pitchFamily="34" charset="-122"/>
+                <a:ea typeface="微软雅黑" panose="020B0503020204020204" pitchFamily="34" charset="-122"/>
+              </a:rPr>
+              <a:t>C++</a:t>
+            </a:r>
+          </a:p>
+          <a:p>
+            <a:pPr algn="ctr"/>
+            <a:r>
+              <a:rPr lang="zh-CN" altLang="en-US" sz="1400" b="1">
+                <a:latin typeface="微软雅黑" panose="020B0503020204020204" pitchFamily="34" charset="-122"/>
+                <a:ea typeface="微软雅黑" panose="020B0503020204020204" pitchFamily="34" charset="-122"/>
+              </a:rPr>
+              <a:t>编译器</a:t>
+            </a:r>
+            <a:endParaRPr lang="en-US" altLang="zh-CN" sz="1400" b="1">
+              <a:latin typeface="微软雅黑" panose="020B0503020204020204" pitchFamily="34" charset="-122"/>
+              <a:ea typeface="微软雅黑" panose="020B0503020204020204" pitchFamily="34" charset="-122"/>
+            </a:endParaRPr>
+          </a:p>
+        </p:txBody>
+      </p:sp>
+    </p:spTree>
+    <p:extLst>
+      <p:ext uri="{BB962C8B-B14F-4D97-AF65-F5344CB8AC3E}">
+        <p14:creationId xmlns:p14="http://schemas.microsoft.com/office/powerpoint/2010/main" val="83337191"/>
+      </p:ext>
+    </p:extLst>
+  </p:cSld>
+  <p:clrMapOvr>
+    <a:masterClrMapping/>
+  </p:clrMapOvr>
+</p:sld>
+</file>
+
+<file path=ppt/slides/slide14.xml><?xml version="1.0" encoding="utf-8"?>
+<p:sld xmlns:a="http://schemas.openxmlformats.org/drawingml/2006/main" xmlns:r="http://schemas.openxmlformats.org/officeDocument/2006/relationships" xmlns:p="http://schemas.openxmlformats.org/presentationml/2006/main">
+  <p:cSld>
+    <p:spTree>
+      <p:nvGrpSpPr>
+        <p:cNvPr id="1" name=""/>
+        <p:cNvGrpSpPr/>
+        <p:nvPr/>
+      </p:nvGrpSpPr>
+      <p:grpSpPr>
+        <a:xfrm>
+          <a:off x="0" y="0"/>
+          <a:ext cx="0" cy="0"/>
+          <a:chOff x="0" y="0"/>
+          <a:chExt cx="0" cy="0"/>
+        </a:xfrm>
+      </p:grpSpPr>
+      <p:sp>
+        <p:nvSpPr>
+          <p:cNvPr id="12" name="文本框 11">
+            <a:extLst>
+              <a:ext uri="{FF2B5EF4-FFF2-40B4-BE49-F238E27FC236}">
+                <a16:creationId xmlns:a16="http://schemas.microsoft.com/office/drawing/2014/main" id="{71D92524-AD01-727B-7B8B-F3B3CA04F0B5}"/>
+              </a:ext>
+            </a:extLst>
+          </p:cNvPr>
+          <p:cNvSpPr txBox="1"/>
+          <p:nvPr/>
+        </p:nvSpPr>
+        <p:spPr>
+          <a:xfrm>
+            <a:off x="2354580" y="7120551"/>
+            <a:ext cx="4632960" cy="461665"/>
+          </a:xfrm>
+          <a:prstGeom prst="rect">
+            <a:avLst/>
+          </a:prstGeom>
+          <a:noFill/>
+        </p:spPr>
+        <p:txBody>
+          <a:bodyPr wrap="square" rtlCol="0">
+            <a:spAutoFit/>
+          </a:bodyPr>
+          <a:lstStyle/>
+          <a:p>
+            <a:r>
+              <a:rPr lang="zh-CN" altLang="en-US" sz="2400" b="1">
+                <a:latin typeface="微软雅黑" panose="020B0503020204020204" pitchFamily="34" charset="-122"/>
+                <a:ea typeface="微软雅黑" panose="020B0503020204020204" pitchFamily="34" charset="-122"/>
+              </a:rPr>
+              <a:t>选择开发套件</a:t>
+            </a:r>
+          </a:p>
+        </p:txBody>
+      </p:sp>
+      <p:cxnSp>
+        <p:nvCxnSpPr>
+          <p:cNvPr id="20" name="直接箭头连接符 19">
+            <a:extLst>
+              <a:ext uri="{FF2B5EF4-FFF2-40B4-BE49-F238E27FC236}">
+                <a16:creationId xmlns:a16="http://schemas.microsoft.com/office/drawing/2014/main" id="{3FFE98CF-4058-FF21-5E84-3B898C5AB34D}"/>
+              </a:ext>
+            </a:extLst>
+          </p:cNvPr>
+          <p:cNvCxnSpPr/>
+          <p:nvPr/>
+        </p:nvCxnSpPr>
+        <p:spPr>
+          <a:xfrm>
+            <a:off x="6999657" y="8097032"/>
+            <a:ext cx="327660" cy="426720"/>
+          </a:xfrm>
+          <a:prstGeom prst="straightConnector1">
+            <a:avLst/>
+          </a:prstGeom>
+          <a:ln w="38100">
+            <a:solidFill>
+              <a:srgbClr val="C00000"/>
+            </a:solidFill>
+            <a:tailEnd type="triangle"/>
+          </a:ln>
+        </p:spPr>
+        <p:style>
+          <a:lnRef idx="1">
+            <a:schemeClr val="accent1"/>
+          </a:lnRef>
+          <a:fillRef idx="0">
+            <a:schemeClr val="accent1"/>
+          </a:fillRef>
+          <a:effectRef idx="0">
+            <a:schemeClr val="accent1"/>
+          </a:effectRef>
+          <a:fontRef idx="minor">
+            <a:schemeClr val="tx1"/>
+          </a:fontRef>
+        </p:style>
+      </p:cxnSp>
+    </p:spTree>
+    <p:extLst>
+      <p:ext uri="{BB962C8B-B14F-4D97-AF65-F5344CB8AC3E}">
+        <p14:creationId xmlns:p14="http://schemas.microsoft.com/office/powerpoint/2010/main" val="1419973739"/>
+      </p:ext>
+    </p:extLst>
+  </p:cSld>
+  <p:clrMapOvr>
+    <a:masterClrMapping/>
+  </p:clrMapOvr>
+</p:sld>
+</file>
+
 <file path=ppt/slides/slide2.xml><?xml version="1.0" encoding="utf-8"?>
 <p:sld xmlns:a="http://schemas.openxmlformats.org/drawingml/2006/main" xmlns:r="http://schemas.openxmlformats.org/officeDocument/2006/relationships" xmlns:p="http://schemas.openxmlformats.org/presentationml/2006/main">
   <p:cSld>
